--- a/make_presentation/templates/templates/classic/_29.pptx
+++ b/make_presentation/templates/templates/classic/_29.pptx
@@ -320,7 +320,7 @@
             <a:pPr algn="r">
               <a:buNone/>
             </a:pPr>
-            <a:fld id="{27623C52-BE16-4941-946D-034E38CE153D}" type="slidenum">
+            <a:fld id="{86283E8D-F4F3-42A6-AC3C-B648260B64E1}" type="slidenum">
               <a:rPr b="0" lang="en-US" sz="1400" spc="-1" strike="noStrike">
                 <a:latin typeface="Times New Roman"/>
               </a:rPr>
@@ -368,7 +368,7 @@
         <p:spPr>
           <a:xfrm>
             <a:off x="380880" y="685800"/>
-            <a:ext cx="6091560" cy="3424680"/>
+            <a:ext cx="6091200" cy="3424320"/>
           </a:xfrm>
           <a:prstGeom prst="rect">
             <a:avLst/>
@@ -391,7 +391,7 @@
         <p:spPr>
           <a:xfrm>
             <a:off x="685800" y="4343400"/>
-            <a:ext cx="5482080" cy="4110480"/>
+            <a:ext cx="5481720" cy="4110120"/>
           </a:xfrm>
           <a:prstGeom prst="rect">
             <a:avLst/>
@@ -425,7 +425,7 @@
         <p:spPr>
           <a:xfrm>
             <a:off x="3884760" y="8685360"/>
-            <a:ext cx="2967480" cy="452880"/>
+            <a:ext cx="2967120" cy="452520"/>
           </a:xfrm>
           <a:prstGeom prst="rect">
             <a:avLst/>
@@ -461,7 +461,7 @@
               </a:lnSpc>
               <a:buNone/>
             </a:pPr>
-            <a:fld id="{E3859436-4D3D-41BB-BA03-39870CF9D3D6}" type="slidenum">
+            <a:fld id="{24ECF0F2-0536-42F3-AC7B-276EA8008668}" type="slidenum">
               <a:rPr b="0" lang="en-US" sz="1200" spc="-1" strike="noStrike">
                 <a:solidFill>
                   <a:srgbClr val="000000"/>
@@ -512,7 +512,7 @@
         <p:spPr>
           <a:xfrm>
             <a:off x="380880" y="685800"/>
-            <a:ext cx="6091560" cy="3424680"/>
+            <a:ext cx="6091200" cy="3424320"/>
           </a:xfrm>
           <a:prstGeom prst="rect">
             <a:avLst/>
@@ -535,7 +535,7 @@
         <p:spPr>
           <a:xfrm>
             <a:off x="685800" y="4343400"/>
-            <a:ext cx="5482080" cy="4110480"/>
+            <a:ext cx="5481720" cy="4110120"/>
           </a:xfrm>
           <a:prstGeom prst="rect">
             <a:avLst/>
@@ -569,7 +569,7 @@
         <p:spPr>
           <a:xfrm>
             <a:off x="3884760" y="8685360"/>
-            <a:ext cx="2967480" cy="452880"/>
+            <a:ext cx="2967120" cy="452520"/>
           </a:xfrm>
           <a:prstGeom prst="rect">
             <a:avLst/>
@@ -605,7 +605,7 @@
               </a:lnSpc>
               <a:buNone/>
             </a:pPr>
-            <a:fld id="{4D39D3D5-0BFC-4101-9BEE-35832A606A4E}" type="slidenum">
+            <a:fld id="{9B1652A1-8C48-46F1-980B-3274B1F08613}" type="slidenum">
               <a:rPr b="0" lang="en-US" sz="1200" spc="-1" strike="noStrike">
                 <a:solidFill>
                   <a:srgbClr val="000000"/>
@@ -656,7 +656,7 @@
         <p:spPr>
           <a:xfrm>
             <a:off x="380880" y="685800"/>
-            <a:ext cx="6091560" cy="3424680"/>
+            <a:ext cx="6091200" cy="3424320"/>
           </a:xfrm>
           <a:prstGeom prst="rect">
             <a:avLst/>
@@ -679,7 +679,7 @@
         <p:spPr>
           <a:xfrm>
             <a:off x="685800" y="4343400"/>
-            <a:ext cx="5482080" cy="4110480"/>
+            <a:ext cx="5481720" cy="4110120"/>
           </a:xfrm>
           <a:prstGeom prst="rect">
             <a:avLst/>
@@ -713,7 +713,7 @@
         <p:spPr>
           <a:xfrm>
             <a:off x="3884760" y="8685360"/>
-            <a:ext cx="2967480" cy="452880"/>
+            <a:ext cx="2967120" cy="452520"/>
           </a:xfrm>
           <a:prstGeom prst="rect">
             <a:avLst/>
@@ -749,7 +749,7 @@
               </a:lnSpc>
               <a:buNone/>
             </a:pPr>
-            <a:fld id="{B675AAF9-6AC5-4F78-AEB2-4E88530F799A}" type="slidenum">
+            <a:fld id="{6D038AE8-51AB-4FD9-8DBC-A981E720041C}" type="slidenum">
               <a:rPr b="0" lang="en-US" sz="1200" spc="-1" strike="noStrike">
                 <a:solidFill>
                   <a:srgbClr val="000000"/>
@@ -800,7 +800,7 @@
         <p:spPr>
           <a:xfrm>
             <a:off x="380880" y="685800"/>
-            <a:ext cx="6091560" cy="3424680"/>
+            <a:ext cx="6091200" cy="3424320"/>
           </a:xfrm>
           <a:prstGeom prst="rect">
             <a:avLst/>
@@ -823,7 +823,7 @@
         <p:spPr>
           <a:xfrm>
             <a:off x="685800" y="4343400"/>
-            <a:ext cx="5482080" cy="4110480"/>
+            <a:ext cx="5481720" cy="4110120"/>
           </a:xfrm>
           <a:prstGeom prst="rect">
             <a:avLst/>
@@ -857,7 +857,7 @@
         <p:spPr>
           <a:xfrm>
             <a:off x="3884760" y="8685360"/>
-            <a:ext cx="2967480" cy="452880"/>
+            <a:ext cx="2967120" cy="452520"/>
           </a:xfrm>
           <a:prstGeom prst="rect">
             <a:avLst/>
@@ -893,7 +893,7 @@
               </a:lnSpc>
               <a:buNone/>
             </a:pPr>
-            <a:fld id="{8B9C44BF-B08D-47BA-8D9E-CB0E63B7F071}" type="slidenum">
+            <a:fld id="{645E0783-2670-44BA-B5C9-FBCC0F07431E}" type="slidenum">
               <a:rPr b="0" lang="en-US" sz="1200" spc="-1" strike="noStrike">
                 <a:solidFill>
                   <a:srgbClr val="000000"/>
@@ -944,7 +944,7 @@
         <p:spPr>
           <a:xfrm>
             <a:off x="380880" y="685800"/>
-            <a:ext cx="6091560" cy="3424680"/>
+            <a:ext cx="6091200" cy="3424320"/>
           </a:xfrm>
           <a:prstGeom prst="rect">
             <a:avLst/>
@@ -967,7 +967,7 @@
         <p:spPr>
           <a:xfrm>
             <a:off x="685800" y="4343400"/>
-            <a:ext cx="5482080" cy="4110480"/>
+            <a:ext cx="5481720" cy="4110120"/>
           </a:xfrm>
           <a:prstGeom prst="rect">
             <a:avLst/>
@@ -1001,7 +1001,7 @@
         <p:spPr>
           <a:xfrm>
             <a:off x="3884760" y="8685360"/>
-            <a:ext cx="2967480" cy="452880"/>
+            <a:ext cx="2967120" cy="452520"/>
           </a:xfrm>
           <a:prstGeom prst="rect">
             <a:avLst/>
@@ -1037,7 +1037,7 @@
               </a:lnSpc>
               <a:buNone/>
             </a:pPr>
-            <a:fld id="{0D88A49F-E515-4D6A-BDBF-FB42A6DC7251}" type="slidenum">
+            <a:fld id="{8E67AD28-7174-480B-8286-90C4E50356F0}" type="slidenum">
               <a:rPr b="0" lang="en-US" sz="1200" spc="-1" strike="noStrike">
                 <a:solidFill>
                   <a:srgbClr val="000000"/>
@@ -1088,7 +1088,7 @@
         <p:spPr>
           <a:xfrm>
             <a:off x="380880" y="685800"/>
-            <a:ext cx="6091560" cy="3424680"/>
+            <a:ext cx="6091200" cy="3424320"/>
           </a:xfrm>
           <a:prstGeom prst="rect">
             <a:avLst/>
@@ -1111,7 +1111,7 @@
         <p:spPr>
           <a:xfrm>
             <a:off x="685800" y="4343400"/>
-            <a:ext cx="5482080" cy="4110480"/>
+            <a:ext cx="5481720" cy="4110120"/>
           </a:xfrm>
           <a:prstGeom prst="rect">
             <a:avLst/>
@@ -1145,7 +1145,7 @@
         <p:spPr>
           <a:xfrm>
             <a:off x="3884760" y="8685360"/>
-            <a:ext cx="2967480" cy="452880"/>
+            <a:ext cx="2967120" cy="452520"/>
           </a:xfrm>
           <a:prstGeom prst="rect">
             <a:avLst/>
@@ -1181,7 +1181,7 @@
               </a:lnSpc>
               <a:buNone/>
             </a:pPr>
-            <a:fld id="{45C42DB1-8975-4BAC-8C87-6874928AC5C5}" type="slidenum">
+            <a:fld id="{4B42223A-94F5-47C9-B1CA-8BD8CF19D6D0}" type="slidenum">
               <a:rPr b="0" lang="en-US" sz="1200" spc="-1" strike="noStrike">
                 <a:solidFill>
                   <a:srgbClr val="000000"/>
@@ -1232,7 +1232,7 @@
         <p:spPr>
           <a:xfrm>
             <a:off x="380880" y="685800"/>
-            <a:ext cx="6091560" cy="3424680"/>
+            <a:ext cx="6091200" cy="3424320"/>
           </a:xfrm>
           <a:prstGeom prst="rect">
             <a:avLst/>
@@ -1255,7 +1255,7 @@
         <p:spPr>
           <a:xfrm>
             <a:off x="685800" y="4343400"/>
-            <a:ext cx="5482080" cy="4110480"/>
+            <a:ext cx="5481720" cy="4110120"/>
           </a:xfrm>
           <a:prstGeom prst="rect">
             <a:avLst/>
@@ -1289,7 +1289,7 @@
         <p:spPr>
           <a:xfrm>
             <a:off x="3884760" y="8685360"/>
-            <a:ext cx="2967480" cy="452880"/>
+            <a:ext cx="2967120" cy="452520"/>
           </a:xfrm>
           <a:prstGeom prst="rect">
             <a:avLst/>
@@ -1325,7 +1325,7 @@
               </a:lnSpc>
               <a:buNone/>
             </a:pPr>
-            <a:fld id="{10A13DA9-09C9-4756-8940-BE729A95275D}" type="slidenum">
+            <a:fld id="{0B122AAE-6D01-4A39-9E52-7717D5DDE98B}" type="slidenum">
               <a:rPr b="0" lang="en-US" sz="1200" spc="-1" strike="noStrike">
                 <a:solidFill>
                   <a:srgbClr val="000000"/>
@@ -1376,7 +1376,7 @@
         <p:spPr>
           <a:xfrm>
             <a:off x="380880" y="685800"/>
-            <a:ext cx="6091560" cy="3424680"/>
+            <a:ext cx="6091200" cy="3424320"/>
           </a:xfrm>
           <a:prstGeom prst="rect">
             <a:avLst/>
@@ -1399,7 +1399,7 @@
         <p:spPr>
           <a:xfrm>
             <a:off x="685800" y="4343400"/>
-            <a:ext cx="5482080" cy="4110480"/>
+            <a:ext cx="5481720" cy="4110120"/>
           </a:xfrm>
           <a:prstGeom prst="rect">
             <a:avLst/>
@@ -1433,7 +1433,7 @@
         <p:spPr>
           <a:xfrm>
             <a:off x="3884760" y="8685360"/>
-            <a:ext cx="2967480" cy="452880"/>
+            <a:ext cx="2967120" cy="452520"/>
           </a:xfrm>
           <a:prstGeom prst="rect">
             <a:avLst/>
@@ -1469,7 +1469,7 @@
               </a:lnSpc>
               <a:buNone/>
             </a:pPr>
-            <a:fld id="{2C65572C-8B75-4372-904A-CC73B5722829}" type="slidenum">
+            <a:fld id="{41C64BB6-FEBE-42CC-9812-C0FD294A24BB}" type="slidenum">
               <a:rPr b="0" lang="en-US" sz="1200" spc="-1" strike="noStrike">
                 <a:solidFill>
                   <a:srgbClr val="000000"/>
@@ -1520,7 +1520,7 @@
         <p:spPr>
           <a:xfrm>
             <a:off x="380880" y="685800"/>
-            <a:ext cx="6091560" cy="3424680"/>
+            <a:ext cx="6091200" cy="3424320"/>
           </a:xfrm>
           <a:prstGeom prst="rect">
             <a:avLst/>
@@ -1543,7 +1543,7 @@
         <p:spPr>
           <a:xfrm>
             <a:off x="685800" y="4343400"/>
-            <a:ext cx="5482080" cy="4110480"/>
+            <a:ext cx="5481720" cy="4110120"/>
           </a:xfrm>
           <a:prstGeom prst="rect">
             <a:avLst/>
@@ -1577,7 +1577,7 @@
         <p:spPr>
           <a:xfrm>
             <a:off x="3884760" y="8685360"/>
-            <a:ext cx="2967480" cy="452880"/>
+            <a:ext cx="2967120" cy="452520"/>
           </a:xfrm>
           <a:prstGeom prst="rect">
             <a:avLst/>
@@ -1613,7 +1613,7 @@
               </a:lnSpc>
               <a:buNone/>
             </a:pPr>
-            <a:fld id="{DB183C84-AF39-4BDF-BBED-995057F381AD}" type="slidenum">
+            <a:fld id="{6DAA8D7A-20D5-40F4-9B03-1555A7A72BA1}" type="slidenum">
               <a:rPr b="0" lang="en-US" sz="1200" spc="-1" strike="noStrike">
                 <a:solidFill>
                   <a:srgbClr val="000000"/>
@@ -1664,7 +1664,7 @@
         <p:spPr>
           <a:xfrm>
             <a:off x="380880" y="685800"/>
-            <a:ext cx="6091560" cy="3424680"/>
+            <a:ext cx="6091200" cy="3424320"/>
           </a:xfrm>
           <a:prstGeom prst="rect">
             <a:avLst/>
@@ -1687,7 +1687,7 @@
         <p:spPr>
           <a:xfrm>
             <a:off x="685800" y="4343400"/>
-            <a:ext cx="5482080" cy="4110480"/>
+            <a:ext cx="5481720" cy="4110120"/>
           </a:xfrm>
           <a:prstGeom prst="rect">
             <a:avLst/>
@@ -1721,7 +1721,7 @@
         <p:spPr>
           <a:xfrm>
             <a:off x="3884760" y="8685360"/>
-            <a:ext cx="2967480" cy="452880"/>
+            <a:ext cx="2967120" cy="452520"/>
           </a:xfrm>
           <a:prstGeom prst="rect">
             <a:avLst/>
@@ -1757,7 +1757,7 @@
               </a:lnSpc>
               <a:buNone/>
             </a:pPr>
-            <a:fld id="{07143AE6-2132-41BD-8882-D873D36AADFC}" type="slidenum">
+            <a:fld id="{10D0A20D-AEB4-4A5D-BCF4-B51823EEBB5D}" type="slidenum">
               <a:rPr b="0" lang="en-US" sz="1200" spc="-1" strike="noStrike">
                 <a:solidFill>
                   <a:srgbClr val="000000"/>
@@ -1808,7 +1808,7 @@
         <p:spPr>
           <a:xfrm>
             <a:off x="380880" y="685800"/>
-            <a:ext cx="6091560" cy="3424680"/>
+            <a:ext cx="6091200" cy="3424320"/>
           </a:xfrm>
           <a:prstGeom prst="rect">
             <a:avLst/>
@@ -1831,7 +1831,7 @@
         <p:spPr>
           <a:xfrm>
             <a:off x="685800" y="4343400"/>
-            <a:ext cx="5482080" cy="4110480"/>
+            <a:ext cx="5481720" cy="4110120"/>
           </a:xfrm>
           <a:prstGeom prst="rect">
             <a:avLst/>
@@ -1865,7 +1865,7 @@
         <p:spPr>
           <a:xfrm>
             <a:off x="3884760" y="8685360"/>
-            <a:ext cx="2967480" cy="452880"/>
+            <a:ext cx="2967120" cy="452520"/>
           </a:xfrm>
           <a:prstGeom prst="rect">
             <a:avLst/>
@@ -1901,7 +1901,7 @@
               </a:lnSpc>
               <a:buNone/>
             </a:pPr>
-            <a:fld id="{DE8B04B6-1A44-4D16-B3FE-CAC2128CAC6A}" type="slidenum">
+            <a:fld id="{B5400D6F-AE5B-4805-9BE5-62572FD3B1B3}" type="slidenum">
               <a:rPr b="0" lang="en-US" sz="1200" spc="-1" strike="noStrike">
                 <a:solidFill>
                   <a:srgbClr val="000000"/>
@@ -1952,7 +1952,7 @@
         <p:spPr>
           <a:xfrm>
             <a:off x="380880" y="685800"/>
-            <a:ext cx="6091560" cy="3424680"/>
+            <a:ext cx="6091200" cy="3424320"/>
           </a:xfrm>
           <a:prstGeom prst="rect">
             <a:avLst/>
@@ -1975,7 +1975,7 @@
         <p:spPr>
           <a:xfrm>
             <a:off x="685800" y="4343400"/>
-            <a:ext cx="5482080" cy="4110480"/>
+            <a:ext cx="5481720" cy="4110120"/>
           </a:xfrm>
           <a:prstGeom prst="rect">
             <a:avLst/>
@@ -2009,7 +2009,7 @@
         <p:spPr>
           <a:xfrm>
             <a:off x="3884760" y="8685360"/>
-            <a:ext cx="2967480" cy="452880"/>
+            <a:ext cx="2967120" cy="452520"/>
           </a:xfrm>
           <a:prstGeom prst="rect">
             <a:avLst/>
@@ -2045,7 +2045,7 @@
               </a:lnSpc>
               <a:buNone/>
             </a:pPr>
-            <a:fld id="{D91D89B7-5494-4379-A8AB-31BB5A1985E5}" type="slidenum">
+            <a:fld id="{91FAFB0C-8687-422F-AFBD-07858A65C072}" type="slidenum">
               <a:rPr b="0" lang="en-US" sz="1200" spc="-1" strike="noStrike">
                 <a:solidFill>
                   <a:srgbClr val="000000"/>
@@ -2096,7 +2096,7 @@
         <p:spPr>
           <a:xfrm>
             <a:off x="380880" y="685800"/>
-            <a:ext cx="6091560" cy="3424680"/>
+            <a:ext cx="6091200" cy="3424320"/>
           </a:xfrm>
           <a:prstGeom prst="rect">
             <a:avLst/>
@@ -2119,7 +2119,7 @@
         <p:spPr>
           <a:xfrm>
             <a:off x="685800" y="4343400"/>
-            <a:ext cx="5482080" cy="4110480"/>
+            <a:ext cx="5481720" cy="4110120"/>
           </a:xfrm>
           <a:prstGeom prst="rect">
             <a:avLst/>
@@ -2153,7 +2153,7 @@
         <p:spPr>
           <a:xfrm>
             <a:off x="3884760" y="8685360"/>
-            <a:ext cx="2967480" cy="452880"/>
+            <a:ext cx="2967120" cy="452520"/>
           </a:xfrm>
           <a:prstGeom prst="rect">
             <a:avLst/>
@@ -2189,7 +2189,7 @@
               </a:lnSpc>
               <a:buNone/>
             </a:pPr>
-            <a:fld id="{8EFC40EA-1817-48A6-815C-01F3EC435349}" type="slidenum">
+            <a:fld id="{46B79B87-36BC-4CD8-81E5-BEE692B1E835}" type="slidenum">
               <a:rPr b="0" lang="en-US" sz="1200" spc="-1" strike="noStrike">
                 <a:solidFill>
                   <a:srgbClr val="000000"/>
@@ -2240,7 +2240,7 @@
         <p:spPr>
           <a:xfrm>
             <a:off x="380880" y="685800"/>
-            <a:ext cx="6091560" cy="3424680"/>
+            <a:ext cx="6091200" cy="3424320"/>
           </a:xfrm>
           <a:prstGeom prst="rect">
             <a:avLst/>
@@ -2263,7 +2263,7 @@
         <p:spPr>
           <a:xfrm>
             <a:off x="685800" y="4343400"/>
-            <a:ext cx="5482080" cy="4110480"/>
+            <a:ext cx="5481720" cy="4110120"/>
           </a:xfrm>
           <a:prstGeom prst="rect">
             <a:avLst/>
@@ -2297,7 +2297,7 @@
         <p:spPr>
           <a:xfrm>
             <a:off x="3884760" y="8685360"/>
-            <a:ext cx="2967480" cy="452880"/>
+            <a:ext cx="2967120" cy="452520"/>
           </a:xfrm>
           <a:prstGeom prst="rect">
             <a:avLst/>
@@ -2333,7 +2333,7 @@
               </a:lnSpc>
               <a:buNone/>
             </a:pPr>
-            <a:fld id="{F3D24F70-8787-4C0B-BB09-7102EB99897F}" type="slidenum">
+            <a:fld id="{CCE9D940-BBDD-41E4-AFA6-94342BBBD063}" type="slidenum">
               <a:rPr b="0" lang="en-US" sz="1200" spc="-1" strike="noStrike">
                 <a:solidFill>
                   <a:srgbClr val="000000"/>
@@ -2384,7 +2384,7 @@
         <p:spPr>
           <a:xfrm>
             <a:off x="380880" y="685800"/>
-            <a:ext cx="6091560" cy="3424680"/>
+            <a:ext cx="6091200" cy="3424320"/>
           </a:xfrm>
           <a:prstGeom prst="rect">
             <a:avLst/>
@@ -2407,7 +2407,7 @@
         <p:spPr>
           <a:xfrm>
             <a:off x="685800" y="4343400"/>
-            <a:ext cx="5482080" cy="4110480"/>
+            <a:ext cx="5481720" cy="4110120"/>
           </a:xfrm>
           <a:prstGeom prst="rect">
             <a:avLst/>
@@ -2441,7 +2441,7 @@
         <p:spPr>
           <a:xfrm>
             <a:off x="3884760" y="8685360"/>
-            <a:ext cx="2967480" cy="452880"/>
+            <a:ext cx="2967120" cy="452520"/>
           </a:xfrm>
           <a:prstGeom prst="rect">
             <a:avLst/>
@@ -2477,7 +2477,7 @@
               </a:lnSpc>
               <a:buNone/>
             </a:pPr>
-            <a:fld id="{132759A8-C305-4F52-A475-F855EE17C74B}" type="slidenum">
+            <a:fld id="{0BEDA17B-03B3-48D7-8376-5FD86713B440}" type="slidenum">
               <a:rPr b="0" lang="en-US" sz="1200" spc="-1" strike="noStrike">
                 <a:solidFill>
                   <a:srgbClr val="000000"/>
@@ -2528,7 +2528,7 @@
         <p:spPr>
           <a:xfrm>
             <a:off x="380880" y="685800"/>
-            <a:ext cx="6091560" cy="3424680"/>
+            <a:ext cx="6091200" cy="3424320"/>
           </a:xfrm>
           <a:prstGeom prst="rect">
             <a:avLst/>
@@ -2551,7 +2551,7 @@
         <p:spPr>
           <a:xfrm>
             <a:off x="685800" y="4343400"/>
-            <a:ext cx="5482080" cy="4110480"/>
+            <a:ext cx="5481720" cy="4110120"/>
           </a:xfrm>
           <a:prstGeom prst="rect">
             <a:avLst/>
@@ -2585,7 +2585,7 @@
         <p:spPr>
           <a:xfrm>
             <a:off x="3884760" y="8685360"/>
-            <a:ext cx="2967480" cy="452880"/>
+            <a:ext cx="2967120" cy="452520"/>
           </a:xfrm>
           <a:prstGeom prst="rect">
             <a:avLst/>
@@ -2621,7 +2621,7 @@
               </a:lnSpc>
               <a:buNone/>
             </a:pPr>
-            <a:fld id="{087BD327-5268-4C17-92B4-2565E4DE6258}" type="slidenum">
+            <a:fld id="{27BBE537-9181-4A24-8EC7-B32F61A5325E}" type="slidenum">
               <a:rPr b="0" lang="en-US" sz="1200" spc="-1" strike="noStrike">
                 <a:solidFill>
                   <a:srgbClr val="000000"/>
@@ -2672,7 +2672,7 @@
         <p:spPr>
           <a:xfrm>
             <a:off x="380880" y="685800"/>
-            <a:ext cx="6091560" cy="3424680"/>
+            <a:ext cx="6091200" cy="3424320"/>
           </a:xfrm>
           <a:prstGeom prst="rect">
             <a:avLst/>
@@ -2695,7 +2695,7 @@
         <p:spPr>
           <a:xfrm>
             <a:off x="685800" y="4343400"/>
-            <a:ext cx="5482080" cy="4110480"/>
+            <a:ext cx="5481720" cy="4110120"/>
           </a:xfrm>
           <a:prstGeom prst="rect">
             <a:avLst/>
@@ -2729,7 +2729,7 @@
         <p:spPr>
           <a:xfrm>
             <a:off x="3884760" y="8685360"/>
-            <a:ext cx="2967480" cy="452880"/>
+            <a:ext cx="2967120" cy="452520"/>
           </a:xfrm>
           <a:prstGeom prst="rect">
             <a:avLst/>
@@ -2765,7 +2765,7 @@
               </a:lnSpc>
               <a:buNone/>
             </a:pPr>
-            <a:fld id="{1B1C7E25-3526-439C-86CB-EFCEE51C6AB5}" type="slidenum">
+            <a:fld id="{A551BA59-8FEE-441C-8A5E-9ED65EEABAD4}" type="slidenum">
               <a:rPr b="0" lang="en-US" sz="1200" spc="-1" strike="noStrike">
                 <a:solidFill>
                   <a:srgbClr val="000000"/>
@@ -2816,7 +2816,7 @@
         <p:spPr>
           <a:xfrm>
             <a:off x="380880" y="685800"/>
-            <a:ext cx="6091560" cy="3424680"/>
+            <a:ext cx="6091200" cy="3424320"/>
           </a:xfrm>
           <a:prstGeom prst="rect">
             <a:avLst/>
@@ -2839,7 +2839,7 @@
         <p:spPr>
           <a:xfrm>
             <a:off x="685800" y="4343400"/>
-            <a:ext cx="5482080" cy="4110480"/>
+            <a:ext cx="5481720" cy="4110120"/>
           </a:xfrm>
           <a:prstGeom prst="rect">
             <a:avLst/>
@@ -2873,7 +2873,7 @@
         <p:spPr>
           <a:xfrm>
             <a:off x="3884760" y="8685360"/>
-            <a:ext cx="2967480" cy="452880"/>
+            <a:ext cx="2967120" cy="452520"/>
           </a:xfrm>
           <a:prstGeom prst="rect">
             <a:avLst/>
@@ -2909,7 +2909,7 @@
               </a:lnSpc>
               <a:buNone/>
             </a:pPr>
-            <a:fld id="{B0012920-AD38-4697-BEE9-623F8213CA29}" type="slidenum">
+            <a:fld id="{9411EEB2-DB7B-47CA-B2C3-A9A33CBDC53D}" type="slidenum">
               <a:rPr b="0" lang="en-US" sz="1200" spc="-1" strike="noStrike">
                 <a:solidFill>
                   <a:srgbClr val="000000"/>
@@ -2960,7 +2960,7 @@
         <p:spPr>
           <a:xfrm>
             <a:off x="380880" y="685800"/>
-            <a:ext cx="6091560" cy="3424680"/>
+            <a:ext cx="6091200" cy="3424320"/>
           </a:xfrm>
           <a:prstGeom prst="rect">
             <a:avLst/>
@@ -2983,7 +2983,7 @@
         <p:spPr>
           <a:xfrm>
             <a:off x="685800" y="4343400"/>
-            <a:ext cx="5482080" cy="4110480"/>
+            <a:ext cx="5481720" cy="4110120"/>
           </a:xfrm>
           <a:prstGeom prst="rect">
             <a:avLst/>
@@ -3017,7 +3017,7 @@
         <p:spPr>
           <a:xfrm>
             <a:off x="3884760" y="8685360"/>
-            <a:ext cx="2967480" cy="452880"/>
+            <a:ext cx="2967120" cy="452520"/>
           </a:xfrm>
           <a:prstGeom prst="rect">
             <a:avLst/>
@@ -3053,7 +3053,7 @@
               </a:lnSpc>
               <a:buNone/>
             </a:pPr>
-            <a:fld id="{EC43944F-447C-40EC-A977-2D606F07282A}" type="slidenum">
+            <a:fld id="{3357B794-4128-4BA1-BF05-4153A85CF914}" type="slidenum">
               <a:rPr b="0" lang="en-US" sz="1200" spc="-1" strike="noStrike">
                 <a:solidFill>
                   <a:srgbClr val="000000"/>
@@ -3104,7 +3104,7 @@
         <p:spPr>
           <a:xfrm>
             <a:off x="380880" y="685800"/>
-            <a:ext cx="6091560" cy="3424680"/>
+            <a:ext cx="6091200" cy="3424320"/>
           </a:xfrm>
           <a:prstGeom prst="rect">
             <a:avLst/>
@@ -3127,7 +3127,7 @@
         <p:spPr>
           <a:xfrm>
             <a:off x="685800" y="4343400"/>
-            <a:ext cx="5482080" cy="4110480"/>
+            <a:ext cx="5481720" cy="4110120"/>
           </a:xfrm>
           <a:prstGeom prst="rect">
             <a:avLst/>
@@ -3161,7 +3161,7 @@
         <p:spPr>
           <a:xfrm>
             <a:off x="3884760" y="8685360"/>
-            <a:ext cx="2967480" cy="452880"/>
+            <a:ext cx="2967120" cy="452520"/>
           </a:xfrm>
           <a:prstGeom prst="rect">
             <a:avLst/>
@@ -3197,7 +3197,7 @@
               </a:lnSpc>
               <a:buNone/>
             </a:pPr>
-            <a:fld id="{67B84091-E4B7-4020-BAF9-D9B75D9A57DB}" type="slidenum">
+            <a:fld id="{99C17717-E753-40BB-AD3E-80F7CC63B0F9}" type="slidenum">
               <a:rPr b="0" lang="en-US" sz="1200" spc="-1" strike="noStrike">
                 <a:solidFill>
                   <a:srgbClr val="000000"/>
@@ -3248,7 +3248,7 @@
         <p:spPr>
           <a:xfrm>
             <a:off x="380880" y="685800"/>
-            <a:ext cx="6091560" cy="3424680"/>
+            <a:ext cx="6091200" cy="3424320"/>
           </a:xfrm>
           <a:prstGeom prst="rect">
             <a:avLst/>
@@ -3271,7 +3271,7 @@
         <p:spPr>
           <a:xfrm>
             <a:off x="685800" y="4343400"/>
-            <a:ext cx="5482080" cy="4110480"/>
+            <a:ext cx="5481720" cy="4110120"/>
           </a:xfrm>
           <a:prstGeom prst="rect">
             <a:avLst/>
@@ -3305,7 +3305,7 @@
         <p:spPr>
           <a:xfrm>
             <a:off x="3884760" y="8685360"/>
-            <a:ext cx="2967480" cy="452880"/>
+            <a:ext cx="2967120" cy="452520"/>
           </a:xfrm>
           <a:prstGeom prst="rect">
             <a:avLst/>
@@ -3341,7 +3341,7 @@
               </a:lnSpc>
               <a:buNone/>
             </a:pPr>
-            <a:fld id="{86F22FE4-33E6-4454-B2F9-581339FC2127}" type="slidenum">
+            <a:fld id="{9614956B-F031-4184-9A28-D7181ACEC0A5}" type="slidenum">
               <a:rPr b="0" lang="en-US" sz="1200" spc="-1" strike="noStrike">
                 <a:solidFill>
                   <a:srgbClr val="000000"/>
@@ -3392,7 +3392,7 @@
         <p:spPr>
           <a:xfrm>
             <a:off x="380880" y="685800"/>
-            <a:ext cx="6091560" cy="3424680"/>
+            <a:ext cx="6091200" cy="3424320"/>
           </a:xfrm>
           <a:prstGeom prst="rect">
             <a:avLst/>
@@ -3415,7 +3415,7 @@
         <p:spPr>
           <a:xfrm>
             <a:off x="685800" y="4343400"/>
-            <a:ext cx="5482080" cy="4110480"/>
+            <a:ext cx="5481720" cy="4110120"/>
           </a:xfrm>
           <a:prstGeom prst="rect">
             <a:avLst/>
@@ -3449,7 +3449,7 @@
         <p:spPr>
           <a:xfrm>
             <a:off x="3884760" y="8685360"/>
-            <a:ext cx="2967480" cy="452880"/>
+            <a:ext cx="2967120" cy="452520"/>
           </a:xfrm>
           <a:prstGeom prst="rect">
             <a:avLst/>
@@ -3485,7 +3485,7 @@
               </a:lnSpc>
               <a:buNone/>
             </a:pPr>
-            <a:fld id="{808A7E3F-7C1F-43DE-B86E-02066B99C1CD}" type="slidenum">
+            <a:fld id="{8A435956-A77A-4CE6-ABDF-8F8F1FA0379F}" type="slidenum">
               <a:rPr b="0" lang="en-US" sz="1200" spc="-1" strike="noStrike">
                 <a:solidFill>
                   <a:srgbClr val="000000"/>
@@ -3536,7 +3536,7 @@
         <p:spPr>
           <a:xfrm>
             <a:off x="380880" y="685800"/>
-            <a:ext cx="6091560" cy="3424680"/>
+            <a:ext cx="6091200" cy="3424320"/>
           </a:xfrm>
           <a:prstGeom prst="rect">
             <a:avLst/>
@@ -3559,7 +3559,7 @@
         <p:spPr>
           <a:xfrm>
             <a:off x="685800" y="4343400"/>
-            <a:ext cx="5482080" cy="4110480"/>
+            <a:ext cx="5481720" cy="4110120"/>
           </a:xfrm>
           <a:prstGeom prst="rect">
             <a:avLst/>
@@ -3593,7 +3593,7 @@
         <p:spPr>
           <a:xfrm>
             <a:off x="3884760" y="8685360"/>
-            <a:ext cx="2967480" cy="452880"/>
+            <a:ext cx="2967120" cy="452520"/>
           </a:xfrm>
           <a:prstGeom prst="rect">
             <a:avLst/>
@@ -3629,7 +3629,7 @@
               </a:lnSpc>
               <a:buNone/>
             </a:pPr>
-            <a:fld id="{F06FBB49-1F36-42CC-B61E-570155BBE3A4}" type="slidenum">
+            <a:fld id="{A500A0FD-FE0B-4866-A5A6-8FE5314345FE}" type="slidenum">
               <a:rPr b="0" lang="en-US" sz="1200" spc="-1" strike="noStrike">
                 <a:solidFill>
                   <a:srgbClr val="000000"/>
@@ -3680,7 +3680,7 @@
         <p:spPr>
           <a:xfrm>
             <a:off x="380880" y="685800"/>
-            <a:ext cx="6091560" cy="3424680"/>
+            <a:ext cx="6091200" cy="3424320"/>
           </a:xfrm>
           <a:prstGeom prst="rect">
             <a:avLst/>
@@ -3703,7 +3703,7 @@
         <p:spPr>
           <a:xfrm>
             <a:off x="685800" y="4343400"/>
-            <a:ext cx="5482080" cy="4110480"/>
+            <a:ext cx="5481720" cy="4110120"/>
           </a:xfrm>
           <a:prstGeom prst="rect">
             <a:avLst/>
@@ -3737,7 +3737,7 @@
         <p:spPr>
           <a:xfrm>
             <a:off x="3884760" y="8685360"/>
-            <a:ext cx="2967480" cy="452880"/>
+            <a:ext cx="2967120" cy="452520"/>
           </a:xfrm>
           <a:prstGeom prst="rect">
             <a:avLst/>
@@ -3773,7 +3773,7 @@
               </a:lnSpc>
               <a:buNone/>
             </a:pPr>
-            <a:fld id="{C35F7935-FACE-403D-92E1-E5E5D380922A}" type="slidenum">
+            <a:fld id="{62B37F92-7614-4A3A-9A83-D67368396B32}" type="slidenum">
               <a:rPr b="0" lang="en-US" sz="1200" spc="-1" strike="noStrike">
                 <a:solidFill>
                   <a:srgbClr val="000000"/>
@@ -3824,7 +3824,7 @@
         <p:spPr>
           <a:xfrm>
             <a:off x="380880" y="685800"/>
-            <a:ext cx="6091560" cy="3424680"/>
+            <a:ext cx="6091200" cy="3424320"/>
           </a:xfrm>
           <a:prstGeom prst="rect">
             <a:avLst/>
@@ -3847,7 +3847,7 @@
         <p:spPr>
           <a:xfrm>
             <a:off x="685800" y="4343400"/>
-            <a:ext cx="5482080" cy="4110480"/>
+            <a:ext cx="5481720" cy="4110120"/>
           </a:xfrm>
           <a:prstGeom prst="rect">
             <a:avLst/>
@@ -3881,7 +3881,7 @@
         <p:spPr>
           <a:xfrm>
             <a:off x="3884760" y="8685360"/>
-            <a:ext cx="2967480" cy="452880"/>
+            <a:ext cx="2967120" cy="452520"/>
           </a:xfrm>
           <a:prstGeom prst="rect">
             <a:avLst/>
@@ -3917,7 +3917,7 @@
               </a:lnSpc>
               <a:buNone/>
             </a:pPr>
-            <a:fld id="{0D69AACE-B050-40ED-B8CA-E35BBCA7EC0E}" type="slidenum">
+            <a:fld id="{F7EFD703-2D08-4D0B-8E2C-830BA22B0CEB}" type="slidenum">
               <a:rPr b="0" lang="en-US" sz="1200" spc="-1" strike="noStrike">
                 <a:solidFill>
                   <a:srgbClr val="000000"/>
@@ -3968,7 +3968,7 @@
         <p:spPr>
           <a:xfrm>
             <a:off x="380880" y="685800"/>
-            <a:ext cx="6091560" cy="3424680"/>
+            <a:ext cx="6091200" cy="3424320"/>
           </a:xfrm>
           <a:prstGeom prst="rect">
             <a:avLst/>
@@ -3991,7 +3991,7 @@
         <p:spPr>
           <a:xfrm>
             <a:off x="685800" y="4343400"/>
-            <a:ext cx="5482080" cy="4110480"/>
+            <a:ext cx="5481720" cy="4110120"/>
           </a:xfrm>
           <a:prstGeom prst="rect">
             <a:avLst/>
@@ -4025,7 +4025,7 @@
         <p:spPr>
           <a:xfrm>
             <a:off x="3884760" y="8685360"/>
-            <a:ext cx="2967480" cy="452880"/>
+            <a:ext cx="2967120" cy="452520"/>
           </a:xfrm>
           <a:prstGeom prst="rect">
             <a:avLst/>
@@ -4061,7 +4061,7 @@
               </a:lnSpc>
               <a:buNone/>
             </a:pPr>
-            <a:fld id="{BDCD5C5D-5790-409C-A967-94D4A40F3F1E}" type="slidenum">
+            <a:fld id="{52B0F08A-691A-4E78-9853-EDCBD16EF72E}" type="slidenum">
               <a:rPr b="0" lang="en-US" sz="1200" spc="-1" strike="noStrike">
                 <a:solidFill>
                   <a:srgbClr val="000000"/>
@@ -4112,7 +4112,7 @@
         <p:spPr>
           <a:xfrm>
             <a:off x="380880" y="685800"/>
-            <a:ext cx="6091560" cy="3424680"/>
+            <a:ext cx="6091200" cy="3424320"/>
           </a:xfrm>
           <a:prstGeom prst="rect">
             <a:avLst/>
@@ -4135,7 +4135,7 @@
         <p:spPr>
           <a:xfrm>
             <a:off x="685800" y="4343400"/>
-            <a:ext cx="5482080" cy="4110480"/>
+            <a:ext cx="5481720" cy="4110120"/>
           </a:xfrm>
           <a:prstGeom prst="rect">
             <a:avLst/>
@@ -4169,7 +4169,7 @@
         <p:spPr>
           <a:xfrm>
             <a:off x="3884760" y="8685360"/>
-            <a:ext cx="2967480" cy="452880"/>
+            <a:ext cx="2967120" cy="452520"/>
           </a:xfrm>
           <a:prstGeom prst="rect">
             <a:avLst/>
@@ -4205,7 +4205,7 @@
               </a:lnSpc>
               <a:buNone/>
             </a:pPr>
-            <a:fld id="{554B4168-D3B2-4E8F-BCCB-A86190AEB1D3}" type="slidenum">
+            <a:fld id="{31568E6E-29BB-4FE0-BAEA-83A8520A0747}" type="slidenum">
               <a:rPr b="0" lang="en-US" sz="1200" spc="-1" strike="noStrike">
                 <a:solidFill>
                   <a:srgbClr val="000000"/>
@@ -4256,7 +4256,7 @@
         <p:spPr>
           <a:xfrm>
             <a:off x="380880" y="685800"/>
-            <a:ext cx="6091560" cy="3424680"/>
+            <a:ext cx="6091200" cy="3424320"/>
           </a:xfrm>
           <a:prstGeom prst="rect">
             <a:avLst/>
@@ -4279,7 +4279,7 @@
         <p:spPr>
           <a:xfrm>
             <a:off x="685800" y="4343400"/>
-            <a:ext cx="5482080" cy="4110480"/>
+            <a:ext cx="5481720" cy="4110120"/>
           </a:xfrm>
           <a:prstGeom prst="rect">
             <a:avLst/>
@@ -4313,7 +4313,7 @@
         <p:spPr>
           <a:xfrm>
             <a:off x="3884760" y="8685360"/>
-            <a:ext cx="2967480" cy="452880"/>
+            <a:ext cx="2967120" cy="452520"/>
           </a:xfrm>
           <a:prstGeom prst="rect">
             <a:avLst/>
@@ -4349,7 +4349,7 @@
               </a:lnSpc>
               <a:buNone/>
             </a:pPr>
-            <a:fld id="{30E5247B-438C-4B05-B2F0-0A396C84E95F}" type="slidenum">
+            <a:fld id="{995DB27E-A4B3-43EC-961C-1017E1C340A2}" type="slidenum">
               <a:rPr b="0" lang="en-US" sz="1200" spc="-1" strike="noStrike">
                 <a:solidFill>
                   <a:srgbClr val="000000"/>
@@ -4400,7 +4400,7 @@
         <p:spPr>
           <a:xfrm>
             <a:off x="380880" y="685800"/>
-            <a:ext cx="6091560" cy="3424680"/>
+            <a:ext cx="6091200" cy="3424320"/>
           </a:xfrm>
           <a:prstGeom prst="rect">
             <a:avLst/>
@@ -4423,7 +4423,7 @@
         <p:spPr>
           <a:xfrm>
             <a:off x="685800" y="4343400"/>
-            <a:ext cx="5482080" cy="4110480"/>
+            <a:ext cx="5481720" cy="4110120"/>
           </a:xfrm>
           <a:prstGeom prst="rect">
             <a:avLst/>
@@ -4457,7 +4457,7 @@
         <p:spPr>
           <a:xfrm>
             <a:off x="3884760" y="8685360"/>
-            <a:ext cx="2967480" cy="452880"/>
+            <a:ext cx="2967120" cy="452520"/>
           </a:xfrm>
           <a:prstGeom prst="rect">
             <a:avLst/>
@@ -4493,7 +4493,7 @@
               </a:lnSpc>
               <a:buNone/>
             </a:pPr>
-            <a:fld id="{BA764D7D-5D2B-4D95-B44D-7BBA1830EC67}" type="slidenum">
+            <a:fld id="{771338E3-7181-4A7C-8D1C-BA3A679A0B9E}" type="slidenum">
               <a:rPr b="0" lang="en-US" sz="1200" spc="-1" strike="noStrike">
                 <a:solidFill>
                   <a:srgbClr val="000000"/>
@@ -4565,7 +4565,7 @@
         <p:txBody>
           <a:bodyPr/>
           <a:p>
-            <a:fld id="{6FEF3BC2-E5EA-4BB9-BB3C-BCF3686E7866}" type="slidenum">
+            <a:fld id="{3DE0E53E-4818-4A6D-982E-2F90AB4399B9}" type="slidenum">
               <a:t>&lt;#&gt;</a:t>
             </a:fld>
           </a:p>
@@ -4753,7 +4753,7 @@
         <p:txBody>
           <a:bodyPr/>
           <a:p>
-            <a:fld id="{D4A3A915-46D6-4849-B5D0-64CAAFB62AB3}" type="slidenum">
+            <a:fld id="{87A1FED0-3084-43BE-BF3E-D85F7CF18F20}" type="slidenum">
               <a:t>&lt;#&gt;</a:t>
             </a:fld>
           </a:p>
@@ -5009,7 +5009,7 @@
         <p:txBody>
           <a:bodyPr/>
           <a:p>
-            <a:fld id="{C1CA7D56-FF36-489C-9C82-8921AA3CF6B3}" type="slidenum">
+            <a:fld id="{390F4E0D-3459-40BD-8993-223F7F5EFD8D}" type="slidenum">
               <a:t>&lt;#&gt;</a:t>
             </a:fld>
           </a:p>
@@ -5333,7 +5333,7 @@
         <p:txBody>
           <a:bodyPr/>
           <a:p>
-            <a:fld id="{06E78DBA-2F23-4D97-B5B1-5161905F4C6C}" type="slidenum">
+            <a:fld id="{6A85AB5D-7A0E-422E-9520-051BD34B3B2E}" type="slidenum">
               <a:t>&lt;#&gt;</a:t>
             </a:fld>
           </a:p>
@@ -5490,7 +5490,7 @@
         <p:txBody>
           <a:bodyPr/>
           <a:p>
-            <a:fld id="{33CA060B-079D-4C2A-967B-B6DBCC3058AC}" type="slidenum">
+            <a:fld id="{364B1BE2-9F16-4AED-9E09-EC36DBAA407F}" type="slidenum">
               <a:t>&lt;#&gt;</a:t>
             </a:fld>
           </a:p>
@@ -5644,7 +5644,7 @@
         <p:txBody>
           <a:bodyPr/>
           <a:p>
-            <a:fld id="{724B2D41-A9F0-40F9-BAF6-F5358065712A}" type="slidenum">
+            <a:fld id="{DDBDB2FB-2D62-4660-8430-67A19C2ACCE8}" type="slidenum">
               <a:t>&lt;#&gt;</a:t>
             </a:fld>
           </a:p>
@@ -5832,7 +5832,7 @@
         <p:txBody>
           <a:bodyPr/>
           <a:p>
-            <a:fld id="{43C87CAE-8F8A-44FB-8236-49EE5E6F6AF0}" type="slidenum">
+            <a:fld id="{F7714568-3BB5-46E1-9A88-070B2C98F14D}" type="slidenum">
               <a:t>&lt;#&gt;</a:t>
             </a:fld>
           </a:p>
@@ -5952,7 +5952,7 @@
         <p:txBody>
           <a:bodyPr/>
           <a:p>
-            <a:fld id="{C32F96AD-5D90-45B1-9617-DF5D3866F665}" type="slidenum">
+            <a:fld id="{9E3325E5-E0ED-40E2-8125-87544AF46C68}" type="slidenum">
               <a:t>&lt;#&gt;</a:t>
             </a:fld>
           </a:p>
@@ -6072,7 +6072,7 @@
         <p:txBody>
           <a:bodyPr/>
           <a:p>
-            <a:fld id="{24BB4B57-72FA-4B52-88A5-645F003372DC}" type="slidenum">
+            <a:fld id="{9ADF94A7-85F9-4D49-ACF3-0B82DD8A19DC}" type="slidenum">
               <a:t>&lt;#&gt;</a:t>
             </a:fld>
           </a:p>
@@ -6294,7 +6294,7 @@
         <p:txBody>
           <a:bodyPr/>
           <a:p>
-            <a:fld id="{B6576A8F-4BBF-4AE0-AA0F-353033C1DCEC}" type="slidenum">
+            <a:fld id="{C47D11FE-A220-4E66-9E3E-CD8399D219E6}" type="slidenum">
               <a:t>&lt;#&gt;</a:t>
             </a:fld>
           </a:p>
@@ -6516,7 +6516,7 @@
         <p:txBody>
           <a:bodyPr/>
           <a:p>
-            <a:fld id="{E4267ED3-3AE5-46C5-B10C-E47F19826B05}" type="slidenum">
+            <a:fld id="{06B57B1B-1A3A-4C26-AB3C-DAB057B984D6}" type="slidenum">
               <a:t>&lt;#&gt;</a:t>
             </a:fld>
           </a:p>
@@ -6738,7 +6738,7 @@
         <p:txBody>
           <a:bodyPr/>
           <a:p>
-            <a:fld id="{8676E109-CB11-4AC7-B8F4-658E38845730}" type="slidenum">
+            <a:fld id="{BB1AA3BF-9DED-46E0-BF73-F913315756EA}" type="slidenum">
               <a:t>&lt;#&gt;</a:t>
             </a:fld>
           </a:p>
@@ -6807,7 +6807,7 @@
         <p:spPr>
           <a:xfrm>
             <a:off x="3028680" y="4771440"/>
-            <a:ext cx="3082320" cy="270360"/>
+            <a:ext cx="3081960" cy="270000"/>
           </a:xfrm>
           <a:prstGeom prst="rect">
             <a:avLst/>
@@ -6851,7 +6851,7 @@
                 <a:latin typeface="Times New Roman"/>
                 <a:ea typeface="DejaVu Sans"/>
               </a:rPr>
-              <a:t> </a:t>
+              <a:t>&lt;footer&gt;</a:t>
             </a:r>
             <a:endParaRPr b="0" lang="en-US" sz="1400" spc="-1" strike="noStrike">
               <a:latin typeface="Times New Roman"/>
@@ -6872,7 +6872,7 @@
         <p:spPr>
           <a:xfrm>
             <a:off x="6457680" y="4771440"/>
-            <a:ext cx="2053800" cy="270360"/>
+            <a:ext cx="2053440" cy="270000"/>
           </a:xfrm>
           <a:prstGeom prst="rect">
             <a:avLst/>
@@ -6908,7 +6908,7 @@
               </a:lnSpc>
               <a:buNone/>
             </a:pPr>
-            <a:fld id="{B0A68984-6CAC-4BD0-B177-FAFE93FE3402}" type="slidenum">
+            <a:fld id="{CDE888B9-0275-4258-ABBE-4AA729A19CC8}" type="slidenum">
               <a:rPr b="0" lang="en-US" sz="1200" spc="-1" strike="noStrike">
                 <a:solidFill>
                   <a:srgbClr val="8b8b8b"/>
@@ -6916,7 +6916,7 @@
                 <a:latin typeface="Calibri"/>
                 <a:ea typeface="DejaVu Sans"/>
               </a:rPr>
-              <a:t>28</a:t>
+              <a:t>&lt;number&gt;</a:t>
             </a:fld>
             <a:endParaRPr b="0" lang="en-US" sz="1200" spc="-1" strike="noStrike">
               <a:latin typeface="Times New Roman"/>
@@ -6937,7 +6937,7 @@
         <p:spPr>
           <a:xfrm>
             <a:off x="628200" y="4771440"/>
-            <a:ext cx="2053800" cy="270360"/>
+            <a:ext cx="2053440" cy="270000"/>
           </a:xfrm>
           <a:prstGeom prst="rect">
             <a:avLst/>
@@ -6963,7 +6963,7 @@
               <a:rPr b="0" lang="en-US" sz="1400" spc="-1" strike="noStrike">
                 <a:latin typeface="Times New Roman"/>
               </a:rPr>
-              <a:t> </a:t>
+              <a:t>&lt;date/time&gt;</a:t>
             </a:r>
             <a:endParaRPr b="0" lang="en-US" sz="1400" spc="-1" strike="noStrike">
               <a:latin typeface="Times New Roman"/>
@@ -7249,8 +7249,8 @@
         </p:nvSpPr>
         <p:spPr>
           <a:xfrm rot="2744400">
-            <a:off x="-281160" y="-25920"/>
-            <a:ext cx="704520" cy="704160"/>
+            <a:off x="-280800" y="-25560"/>
+            <a:ext cx="704160" cy="703800"/>
           </a:xfrm>
           <a:prstGeom prst="roundRect">
             <a:avLst>
@@ -7288,7 +7288,7 @@
         <p:spPr>
           <a:xfrm rot="2625600">
             <a:off x="6024960" y="4332960"/>
-            <a:ext cx="468360" cy="468360"/>
+            <a:ext cx="468000" cy="468000"/>
           </a:xfrm>
           <a:prstGeom prst="roundRect">
             <a:avLst>
@@ -7325,8 +7325,8 @@
         </p:nvSpPr>
         <p:spPr>
           <a:xfrm rot="18679200">
-            <a:off x="7003800" y="948600"/>
-            <a:ext cx="4939920" cy="4666320"/>
+            <a:off x="7003440" y="948600"/>
+            <a:ext cx="4939560" cy="4665960"/>
           </a:xfrm>
           <a:prstGeom prst="roundRect">
             <a:avLst>
@@ -7364,7 +7364,7 @@
         <p:spPr>
           <a:xfrm>
             <a:off x="459720" y="4671360"/>
-            <a:ext cx="2995560" cy="266400"/>
+            <a:ext cx="2995200" cy="266040"/>
           </a:xfrm>
           <a:prstGeom prst="rect">
             <a:avLst/>
@@ -7429,8 +7429,8 @@
         </p:blipFill>
         <p:spPr>
           <a:xfrm>
-            <a:off x="2423160" y="4671720"/>
-            <a:ext cx="288000" cy="288000"/>
+            <a:off x="3035160" y="4743720"/>
+            <a:ext cx="287640" cy="287640"/>
           </a:xfrm>
           <a:prstGeom prst="rect">
             <a:avLst/>
@@ -7449,7 +7449,7 @@
         <p:spPr>
           <a:xfrm>
             <a:off x="484920" y="1681560"/>
-            <a:ext cx="5481000" cy="1882440"/>
+            <a:ext cx="5480640" cy="1882080"/>
           </a:xfrm>
           <a:prstGeom prst="rect">
             <a:avLst/>
@@ -7537,8 +7537,8 @@
         </p:nvSpPr>
         <p:spPr>
           <a:xfrm rot="2744400">
-            <a:off x="-281160" y="-25920"/>
-            <a:ext cx="704520" cy="704160"/>
+            <a:off x="-280800" y="-25560"/>
+            <a:ext cx="704160" cy="703800"/>
           </a:xfrm>
           <a:prstGeom prst="roundRect">
             <a:avLst>
@@ -7576,7 +7576,7 @@
         <p:spPr>
           <a:xfrm rot="2332200">
             <a:off x="6009480" y="-319680"/>
-            <a:ext cx="4855680" cy="7726680"/>
+            <a:ext cx="4855320" cy="7726320"/>
           </a:xfrm>
           <a:prstGeom prst="roundRect">
             <a:avLst>
@@ -7614,9 +7614,9 @@
         <p:grpSpPr>
           <a:xfrm>
             <a:off x="4571640" y="828000"/>
-            <a:ext cx="4468320" cy="3564360"/>
+            <a:ext cx="4467960" cy="3564000"/>
             <a:chOff x="4571640" y="828000"/>
-            <a:chExt cx="4468320" cy="3564360"/>
+            <a:chExt cx="4467960" cy="3564000"/>
           </a:xfrm>
         </p:grpSpPr>
         <p:pic>
@@ -7632,7 +7632,7 @@
           <p:spPr>
             <a:xfrm>
               <a:off x="4571640" y="828000"/>
-              <a:ext cx="4468320" cy="3564360"/>
+              <a:ext cx="4467960" cy="3564000"/>
             </a:xfrm>
             <a:prstGeom prst="rect">
               <a:avLst/>
@@ -7650,8 +7650,8 @@
           </p:nvSpPr>
           <p:spPr>
             <a:xfrm rot="16200000">
-              <a:off x="5962680" y="1158840"/>
-              <a:ext cx="1737360" cy="2771280"/>
+              <a:off x="5962680" y="1159200"/>
+              <a:ext cx="1737000" cy="2770920"/>
             </a:xfrm>
             <a:prstGeom prst="roundRect">
               <a:avLst>
@@ -7718,7 +7718,7 @@
         <p:spPr>
           <a:xfrm>
             <a:off x="5446080" y="1672200"/>
-            <a:ext cx="2770920" cy="1737360"/>
+            <a:ext cx="2770560" cy="1737000"/>
           </a:xfrm>
           <a:prstGeom prst="rect">
             <a:avLst/>
@@ -7770,7 +7770,7 @@
         <p:spPr>
           <a:xfrm>
             <a:off x="586440" y="1246680"/>
-            <a:ext cx="4004280" cy="3600000"/>
+            <a:ext cx="4003920" cy="3599640"/>
           </a:xfrm>
           <a:prstGeom prst="rect">
             <a:avLst/>
@@ -7822,7 +7822,7 @@
         <p:spPr>
           <a:xfrm>
             <a:off x="586440" y="453960"/>
-            <a:ext cx="4764240" cy="855360"/>
+            <a:ext cx="4763880" cy="855000"/>
           </a:xfrm>
           <a:prstGeom prst="rect">
             <a:avLst/>
@@ -7911,7 +7911,7 @@
         <p:spPr>
           <a:xfrm rot="2745600">
             <a:off x="8349840" y="-668160"/>
-            <a:ext cx="1498320" cy="1498320"/>
+            <a:ext cx="1497960" cy="1497960"/>
           </a:xfrm>
           <a:prstGeom prst="roundRect">
             <a:avLst>
@@ -7949,7 +7949,7 @@
         <p:spPr>
           <a:xfrm rot="2745600">
             <a:off x="7634160" y="-322200"/>
-            <a:ext cx="807120" cy="807480"/>
+            <a:ext cx="806760" cy="807120"/>
           </a:xfrm>
           <a:prstGeom prst="roundRect">
             <a:avLst>
@@ -7988,7 +7988,7 @@
         <p:spPr>
           <a:xfrm>
             <a:off x="586440" y="899640"/>
-            <a:ext cx="7931880" cy="1537200"/>
+            <a:ext cx="7931520" cy="1536840"/>
           </a:xfrm>
           <a:prstGeom prst="rect">
             <a:avLst/>
@@ -8040,7 +8040,7 @@
         <p:spPr>
           <a:xfrm>
             <a:off x="608040" y="2545560"/>
-            <a:ext cx="3712320" cy="2255760"/>
+            <a:ext cx="3711960" cy="2255400"/>
           </a:xfrm>
           <a:prstGeom prst="rect">
             <a:avLst/>
@@ -8092,7 +8092,7 @@
         <p:spPr>
           <a:xfrm>
             <a:off x="4806360" y="2545560"/>
-            <a:ext cx="3712320" cy="2255760"/>
+            <a:ext cx="3711960" cy="2255400"/>
           </a:xfrm>
           <a:prstGeom prst="rect">
             <a:avLst/>
@@ -8144,7 +8144,7 @@
         <p:spPr>
           <a:xfrm>
             <a:off x="583200" y="450720"/>
-            <a:ext cx="7198200" cy="512280"/>
+            <a:ext cx="7197840" cy="511920"/>
           </a:xfrm>
           <a:prstGeom prst="rect">
             <a:avLst/>
@@ -8226,7 +8226,7 @@
         <p:spPr>
           <a:xfrm>
             <a:off x="586440" y="1246680"/>
-            <a:ext cx="4004280" cy="3600000"/>
+            <a:ext cx="4003920" cy="3599640"/>
           </a:xfrm>
           <a:prstGeom prst="rect">
             <a:avLst/>
@@ -8278,7 +8278,7 @@
         <p:spPr>
           <a:xfrm>
             <a:off x="559800" y="446040"/>
-            <a:ext cx="4283640" cy="683640"/>
+            <a:ext cx="4283280" cy="683280"/>
           </a:xfrm>
           <a:prstGeom prst="rect">
             <a:avLst/>
@@ -8330,7 +8330,7 @@
         <p:spPr>
           <a:xfrm>
             <a:off x="5097600" y="360"/>
-            <a:ext cx="4379760" cy="5144040"/>
+            <a:ext cx="4379400" cy="5143680"/>
           </a:xfrm>
           <a:prstGeom prst="roundRect">
             <a:avLst>
@@ -8395,8 +8395,8 @@
         </p:nvSpPr>
         <p:spPr>
           <a:xfrm rot="2744400">
-            <a:off x="-281160" y="-25920"/>
-            <a:ext cx="704520" cy="704160"/>
+            <a:off x="-280800" y="-25560"/>
+            <a:ext cx="704160" cy="703800"/>
           </a:xfrm>
           <a:prstGeom prst="roundRect">
             <a:avLst>
@@ -8434,7 +8434,7 @@
         <p:spPr>
           <a:xfrm rot="2625600">
             <a:off x="4861080" y="4146840"/>
-            <a:ext cx="468360" cy="468360"/>
+            <a:ext cx="468000" cy="468000"/>
           </a:xfrm>
           <a:prstGeom prst="roundRect">
             <a:avLst>
@@ -8508,8 +8508,8 @@
         </p:nvSpPr>
         <p:spPr>
           <a:xfrm rot="2744400">
-            <a:off x="-350280" y="4539960"/>
-            <a:ext cx="704520" cy="704160"/>
+            <a:off x="-349920" y="4539960"/>
+            <a:ext cx="704160" cy="703800"/>
           </a:xfrm>
           <a:prstGeom prst="roundRect">
             <a:avLst>
@@ -8546,8 +8546,8 @@
         </p:nvSpPr>
         <p:spPr>
           <a:xfrm rot="19228200">
-            <a:off x="5846400" y="-2266560"/>
-            <a:ext cx="4855320" cy="7726320"/>
+            <a:off x="5846040" y="-2266200"/>
+            <a:ext cx="4854960" cy="7725960"/>
           </a:xfrm>
           <a:prstGeom prst="roundRect">
             <a:avLst>
@@ -8585,9 +8585,9 @@
         <p:grpSpPr>
           <a:xfrm>
             <a:off x="4571640" y="828000"/>
-            <a:ext cx="4468320" cy="3564360"/>
+            <a:ext cx="4467960" cy="3564000"/>
             <a:chOff x="4571640" y="828000"/>
-            <a:chExt cx="4468320" cy="3564360"/>
+            <a:chExt cx="4467960" cy="3564000"/>
           </a:xfrm>
         </p:grpSpPr>
         <p:pic>
@@ -8603,7 +8603,7 @@
           <p:spPr>
             <a:xfrm>
               <a:off x="4571640" y="828000"/>
-              <a:ext cx="4468320" cy="3564360"/>
+              <a:ext cx="4467960" cy="3564000"/>
             </a:xfrm>
             <a:prstGeom prst="rect">
               <a:avLst/>
@@ -8621,8 +8621,8 @@
           </p:nvSpPr>
           <p:spPr>
             <a:xfrm rot="16200000">
-              <a:off x="5962680" y="1158840"/>
-              <a:ext cx="1737360" cy="2771280"/>
+              <a:off x="5962680" y="1159200"/>
+              <a:ext cx="1737000" cy="2770920"/>
             </a:xfrm>
             <a:prstGeom prst="roundRect">
               <a:avLst>
@@ -8689,7 +8689,7 @@
         <p:spPr>
           <a:xfrm>
             <a:off x="586440" y="1246680"/>
-            <a:ext cx="4004280" cy="3600000"/>
+            <a:ext cx="4003920" cy="3599640"/>
           </a:xfrm>
           <a:prstGeom prst="rect">
             <a:avLst/>
@@ -8741,7 +8741,7 @@
         <p:spPr>
           <a:xfrm>
             <a:off x="5446080" y="1672200"/>
-            <a:ext cx="2780280" cy="1737360"/>
+            <a:ext cx="2779920" cy="1737000"/>
           </a:xfrm>
           <a:prstGeom prst="rect">
             <a:avLst/>
@@ -8793,7 +8793,7 @@
         <p:spPr>
           <a:xfrm>
             <a:off x="586440" y="453960"/>
-            <a:ext cx="3696840" cy="855360"/>
+            <a:ext cx="3696480" cy="855000"/>
           </a:xfrm>
           <a:prstGeom prst="rect">
             <a:avLst/>
@@ -8882,7 +8882,7 @@
         <p:spPr>
           <a:xfrm>
             <a:off x="4222080" y="1246680"/>
-            <a:ext cx="4115160" cy="3600000"/>
+            <a:ext cx="4114800" cy="3599640"/>
           </a:xfrm>
           <a:prstGeom prst="rect">
             <a:avLst/>
@@ -8933,8 +8933,8 @@
         </p:nvSpPr>
         <p:spPr>
           <a:xfrm rot="16200000">
-            <a:off x="-2181600" y="1733400"/>
-            <a:ext cx="5144040" cy="1684080"/>
+            <a:off x="-2181600" y="1733760"/>
+            <a:ext cx="5143680" cy="1683720"/>
           </a:xfrm>
           <a:prstGeom prst="roundRect">
             <a:avLst>
@@ -8971,8 +8971,8 @@
         </p:nvSpPr>
         <p:spPr>
           <a:xfrm rot="2745000">
-            <a:off x="8575200" y="103680"/>
-            <a:ext cx="1132560" cy="1132200"/>
+            <a:off x="8575200" y="103320"/>
+            <a:ext cx="1132200" cy="1131840"/>
           </a:xfrm>
           <a:prstGeom prst="roundRect">
             <a:avLst>
@@ -9009,8 +9009,8 @@
         </p:nvSpPr>
         <p:spPr>
           <a:xfrm rot="16200000">
-            <a:off x="614880" y="918720"/>
-            <a:ext cx="3232080" cy="3313800"/>
+            <a:off x="614880" y="919080"/>
+            <a:ext cx="3231720" cy="3313440"/>
           </a:xfrm>
           <a:prstGeom prst="roundRect">
             <a:avLst>
@@ -9076,7 +9076,7 @@
         <p:spPr>
           <a:xfrm>
             <a:off x="4214160" y="456120"/>
-            <a:ext cx="4111920" cy="855360"/>
+            <a:ext cx="4111560" cy="855000"/>
           </a:xfrm>
           <a:prstGeom prst="rect">
             <a:avLst/>
@@ -9164,8 +9164,8 @@
         </p:nvSpPr>
         <p:spPr>
           <a:xfrm rot="2744400">
-            <a:off x="-281160" y="-25920"/>
-            <a:ext cx="704520" cy="704160"/>
+            <a:off x="-280800" y="-25560"/>
+            <a:ext cx="704160" cy="703800"/>
           </a:xfrm>
           <a:prstGeom prst="roundRect">
             <a:avLst>
@@ -9203,7 +9203,7 @@
         <p:spPr>
           <a:xfrm rot="2332200">
             <a:off x="6009480" y="-319680"/>
-            <a:ext cx="4855680" cy="7726680"/>
+            <a:ext cx="4855320" cy="7726320"/>
           </a:xfrm>
           <a:prstGeom prst="roundRect">
             <a:avLst>
@@ -9241,9 +9241,9 @@
         <p:grpSpPr>
           <a:xfrm>
             <a:off x="4571640" y="828000"/>
-            <a:ext cx="4468320" cy="3564360"/>
+            <a:ext cx="4467960" cy="3564000"/>
             <a:chOff x="4571640" y="828000"/>
-            <a:chExt cx="4468320" cy="3564360"/>
+            <a:chExt cx="4467960" cy="3564000"/>
           </a:xfrm>
         </p:grpSpPr>
         <p:pic>
@@ -9259,7 +9259,7 @@
           <p:spPr>
             <a:xfrm>
               <a:off x="4571640" y="828000"/>
-              <a:ext cx="4468320" cy="3564360"/>
+              <a:ext cx="4467960" cy="3564000"/>
             </a:xfrm>
             <a:prstGeom prst="rect">
               <a:avLst/>
@@ -9277,8 +9277,8 @@
           </p:nvSpPr>
           <p:spPr>
             <a:xfrm rot="16200000">
-              <a:off x="5962680" y="1158840"/>
-              <a:ext cx="1737360" cy="2771280"/>
+              <a:off x="5962680" y="1159200"/>
+              <a:ext cx="1737000" cy="2770920"/>
             </a:xfrm>
             <a:prstGeom prst="roundRect">
               <a:avLst>
@@ -9345,7 +9345,7 @@
         <p:spPr>
           <a:xfrm>
             <a:off x="5446080" y="1672200"/>
-            <a:ext cx="2770920" cy="1737360"/>
+            <a:ext cx="2770560" cy="1737000"/>
           </a:xfrm>
           <a:prstGeom prst="rect">
             <a:avLst/>
@@ -9397,7 +9397,7 @@
         <p:spPr>
           <a:xfrm>
             <a:off x="586440" y="1246680"/>
-            <a:ext cx="4004280" cy="3600000"/>
+            <a:ext cx="4003920" cy="3599640"/>
           </a:xfrm>
           <a:prstGeom prst="rect">
             <a:avLst/>
@@ -9449,7 +9449,7 @@
         <p:spPr>
           <a:xfrm>
             <a:off x="586440" y="453960"/>
-            <a:ext cx="4764240" cy="855360"/>
+            <a:ext cx="4763880" cy="855000"/>
           </a:xfrm>
           <a:prstGeom prst="rect">
             <a:avLst/>
@@ -9538,7 +9538,7 @@
         <p:spPr>
           <a:xfrm rot="2745600">
             <a:off x="8349840" y="-668160"/>
-            <a:ext cx="1498320" cy="1498320"/>
+            <a:ext cx="1497960" cy="1497960"/>
           </a:xfrm>
           <a:prstGeom prst="roundRect">
             <a:avLst>
@@ -9576,7 +9576,7 @@
         <p:spPr>
           <a:xfrm rot="2745600">
             <a:off x="7634160" y="-322200"/>
-            <a:ext cx="807120" cy="807480"/>
+            <a:ext cx="806760" cy="807120"/>
           </a:xfrm>
           <a:prstGeom prst="roundRect">
             <a:avLst>
@@ -9615,7 +9615,7 @@
         <p:spPr>
           <a:xfrm>
             <a:off x="586440" y="899640"/>
-            <a:ext cx="7931880" cy="1537200"/>
+            <a:ext cx="7931520" cy="1536840"/>
           </a:xfrm>
           <a:prstGeom prst="rect">
             <a:avLst/>
@@ -9667,7 +9667,7 @@
         <p:spPr>
           <a:xfrm>
             <a:off x="608040" y="2545560"/>
-            <a:ext cx="3712320" cy="2255760"/>
+            <a:ext cx="3711960" cy="2255400"/>
           </a:xfrm>
           <a:prstGeom prst="rect">
             <a:avLst/>
@@ -9719,7 +9719,7 @@
         <p:spPr>
           <a:xfrm>
             <a:off x="4806360" y="2545560"/>
-            <a:ext cx="3712320" cy="2255760"/>
+            <a:ext cx="3711960" cy="2255400"/>
           </a:xfrm>
           <a:prstGeom prst="rect">
             <a:avLst/>
@@ -9771,7 +9771,7 @@
         <p:spPr>
           <a:xfrm>
             <a:off x="583200" y="450720"/>
-            <a:ext cx="7198200" cy="512280"/>
+            <a:ext cx="7197840" cy="511920"/>
           </a:xfrm>
           <a:prstGeom prst="rect">
             <a:avLst/>
@@ -9853,7 +9853,7 @@
         <p:spPr>
           <a:xfrm>
             <a:off x="586440" y="1246680"/>
-            <a:ext cx="4004280" cy="3600000"/>
+            <a:ext cx="4003920" cy="3599640"/>
           </a:xfrm>
           <a:prstGeom prst="rect">
             <a:avLst/>
@@ -9905,7 +9905,7 @@
         <p:spPr>
           <a:xfrm>
             <a:off x="559800" y="446040"/>
-            <a:ext cx="4283640" cy="683640"/>
+            <a:ext cx="4283280" cy="683280"/>
           </a:xfrm>
           <a:prstGeom prst="rect">
             <a:avLst/>
@@ -9957,7 +9957,7 @@
         <p:spPr>
           <a:xfrm>
             <a:off x="5097600" y="360"/>
-            <a:ext cx="4379760" cy="5144040"/>
+            <a:ext cx="4379400" cy="5143680"/>
           </a:xfrm>
           <a:prstGeom prst="roundRect">
             <a:avLst>
@@ -10022,8 +10022,8 @@
         </p:nvSpPr>
         <p:spPr>
           <a:xfrm rot="2744400">
-            <a:off x="-281160" y="-25920"/>
-            <a:ext cx="704520" cy="704160"/>
+            <a:off x="-280800" y="-25560"/>
+            <a:ext cx="704160" cy="703800"/>
           </a:xfrm>
           <a:prstGeom prst="roundRect">
             <a:avLst>
@@ -10061,7 +10061,7 @@
         <p:spPr>
           <a:xfrm rot="2625600">
             <a:off x="4861080" y="4146840"/>
-            <a:ext cx="468360" cy="468360"/>
+            <a:ext cx="468000" cy="468000"/>
           </a:xfrm>
           <a:prstGeom prst="roundRect">
             <a:avLst>
@@ -10135,8 +10135,8 @@
         </p:nvSpPr>
         <p:spPr>
           <a:xfrm rot="2744400">
-            <a:off x="-350280" y="4539960"/>
-            <a:ext cx="704520" cy="704160"/>
+            <a:off x="-349920" y="4539960"/>
+            <a:ext cx="704160" cy="703800"/>
           </a:xfrm>
           <a:prstGeom prst="roundRect">
             <a:avLst>
@@ -10173,8 +10173,8 @@
         </p:nvSpPr>
         <p:spPr>
           <a:xfrm rot="19228200">
-            <a:off x="5846400" y="-2266560"/>
-            <a:ext cx="4855320" cy="7726320"/>
+            <a:off x="5846040" y="-2266200"/>
+            <a:ext cx="4854960" cy="7725960"/>
           </a:xfrm>
           <a:prstGeom prst="roundRect">
             <a:avLst>
@@ -10212,9 +10212,9 @@
         <p:grpSpPr>
           <a:xfrm>
             <a:off x="4571640" y="828000"/>
-            <a:ext cx="4468320" cy="3564360"/>
+            <a:ext cx="4467960" cy="3564000"/>
             <a:chOff x="4571640" y="828000"/>
-            <a:chExt cx="4468320" cy="3564360"/>
+            <a:chExt cx="4467960" cy="3564000"/>
           </a:xfrm>
         </p:grpSpPr>
         <p:pic>
@@ -10230,7 +10230,7 @@
           <p:spPr>
             <a:xfrm>
               <a:off x="4571640" y="828000"/>
-              <a:ext cx="4468320" cy="3564360"/>
+              <a:ext cx="4467960" cy="3564000"/>
             </a:xfrm>
             <a:prstGeom prst="rect">
               <a:avLst/>
@@ -10248,8 +10248,8 @@
           </p:nvSpPr>
           <p:spPr>
             <a:xfrm rot="16200000">
-              <a:off x="5962680" y="1158840"/>
-              <a:ext cx="1737360" cy="2771280"/>
+              <a:off x="5962680" y="1159200"/>
+              <a:ext cx="1737000" cy="2770920"/>
             </a:xfrm>
             <a:prstGeom prst="roundRect">
               <a:avLst>
@@ -10316,7 +10316,7 @@
         <p:spPr>
           <a:xfrm>
             <a:off x="586440" y="1246680"/>
-            <a:ext cx="4004280" cy="3600000"/>
+            <a:ext cx="4003920" cy="3599640"/>
           </a:xfrm>
           <a:prstGeom prst="rect">
             <a:avLst/>
@@ -10368,7 +10368,7 @@
         <p:spPr>
           <a:xfrm>
             <a:off x="5446080" y="1672200"/>
-            <a:ext cx="2780280" cy="1737360"/>
+            <a:ext cx="2779920" cy="1737000"/>
           </a:xfrm>
           <a:prstGeom prst="rect">
             <a:avLst/>
@@ -10420,7 +10420,7 @@
         <p:spPr>
           <a:xfrm>
             <a:off x="586440" y="453960"/>
-            <a:ext cx="3696840" cy="855360"/>
+            <a:ext cx="3696480" cy="855000"/>
           </a:xfrm>
           <a:prstGeom prst="rect">
             <a:avLst/>
@@ -10509,7 +10509,7 @@
         <p:spPr>
           <a:xfrm>
             <a:off x="4222080" y="1246680"/>
-            <a:ext cx="4115160" cy="3600000"/>
+            <a:ext cx="4114800" cy="3599640"/>
           </a:xfrm>
           <a:prstGeom prst="rect">
             <a:avLst/>
@@ -10560,8 +10560,8 @@
         </p:nvSpPr>
         <p:spPr>
           <a:xfrm rot="16200000">
-            <a:off x="-2181600" y="1733400"/>
-            <a:ext cx="5144040" cy="1684080"/>
+            <a:off x="-2181600" y="1733760"/>
+            <a:ext cx="5143680" cy="1683720"/>
           </a:xfrm>
           <a:prstGeom prst="roundRect">
             <a:avLst>
@@ -10598,8 +10598,8 @@
         </p:nvSpPr>
         <p:spPr>
           <a:xfrm rot="2745000">
-            <a:off x="8575200" y="103680"/>
-            <a:ext cx="1132560" cy="1132200"/>
+            <a:off x="8575200" y="103320"/>
+            <a:ext cx="1132200" cy="1131840"/>
           </a:xfrm>
           <a:prstGeom prst="roundRect">
             <a:avLst>
@@ -10636,8 +10636,8 @@
         </p:nvSpPr>
         <p:spPr>
           <a:xfrm rot="16200000">
-            <a:off x="614880" y="918720"/>
-            <a:ext cx="3232080" cy="3313800"/>
+            <a:off x="614880" y="919080"/>
+            <a:ext cx="3231720" cy="3313440"/>
           </a:xfrm>
           <a:prstGeom prst="roundRect">
             <a:avLst>
@@ -10703,7 +10703,7 @@
         <p:spPr>
           <a:xfrm>
             <a:off x="4214160" y="456120"/>
-            <a:ext cx="4111920" cy="855360"/>
+            <a:ext cx="4111560" cy="855000"/>
           </a:xfrm>
           <a:prstGeom prst="rect">
             <a:avLst/>
@@ -10785,7 +10785,7 @@
         <p:spPr>
           <a:xfrm>
             <a:off x="586440" y="1246680"/>
-            <a:ext cx="4004280" cy="3600000"/>
+            <a:ext cx="4003920" cy="3599640"/>
           </a:xfrm>
           <a:prstGeom prst="rect">
             <a:avLst/>
@@ -10837,7 +10837,7 @@
         <p:spPr>
           <a:xfrm>
             <a:off x="559800" y="446040"/>
-            <a:ext cx="4283640" cy="683640"/>
+            <a:ext cx="4283280" cy="683280"/>
           </a:xfrm>
           <a:prstGeom prst="rect">
             <a:avLst/>
@@ -10889,7 +10889,7 @@
         <p:spPr>
           <a:xfrm>
             <a:off x="5097600" y="360"/>
-            <a:ext cx="4379760" cy="5144040"/>
+            <a:ext cx="4379400" cy="5143680"/>
           </a:xfrm>
           <a:prstGeom prst="roundRect">
             <a:avLst>
@@ -10954,8 +10954,8 @@
         </p:nvSpPr>
         <p:spPr>
           <a:xfrm rot="2744400">
-            <a:off x="-281160" y="-25920"/>
-            <a:ext cx="704520" cy="704160"/>
+            <a:off x="-280800" y="-25560"/>
+            <a:ext cx="704160" cy="703800"/>
           </a:xfrm>
           <a:prstGeom prst="roundRect">
             <a:avLst>
@@ -10993,7 +10993,7 @@
         <p:spPr>
           <a:xfrm rot="2625600">
             <a:off x="4861080" y="4146840"/>
-            <a:ext cx="468360" cy="468360"/>
+            <a:ext cx="468000" cy="468000"/>
           </a:xfrm>
           <a:prstGeom prst="roundRect">
             <a:avLst>
@@ -11067,8 +11067,8 @@
         </p:nvSpPr>
         <p:spPr>
           <a:xfrm rot="2744400">
-            <a:off x="-281160" y="-25920"/>
-            <a:ext cx="704520" cy="704160"/>
+            <a:off x="-280800" y="-25560"/>
+            <a:ext cx="704160" cy="703800"/>
           </a:xfrm>
           <a:prstGeom prst="roundRect">
             <a:avLst>
@@ -11106,7 +11106,7 @@
         <p:spPr>
           <a:xfrm rot="2332200">
             <a:off x="6009480" y="-319680"/>
-            <a:ext cx="4855680" cy="7726680"/>
+            <a:ext cx="4855320" cy="7726320"/>
           </a:xfrm>
           <a:prstGeom prst="roundRect">
             <a:avLst>
@@ -11144,9 +11144,9 @@
         <p:grpSpPr>
           <a:xfrm>
             <a:off x="4571640" y="828000"/>
-            <a:ext cx="4468320" cy="3564360"/>
+            <a:ext cx="4467960" cy="3564000"/>
             <a:chOff x="4571640" y="828000"/>
-            <a:chExt cx="4468320" cy="3564360"/>
+            <a:chExt cx="4467960" cy="3564000"/>
           </a:xfrm>
         </p:grpSpPr>
         <p:pic>
@@ -11162,7 +11162,7 @@
           <p:spPr>
             <a:xfrm>
               <a:off x="4571640" y="828000"/>
-              <a:ext cx="4468320" cy="3564360"/>
+              <a:ext cx="4467960" cy="3564000"/>
             </a:xfrm>
             <a:prstGeom prst="rect">
               <a:avLst/>
@@ -11180,8 +11180,8 @@
           </p:nvSpPr>
           <p:spPr>
             <a:xfrm rot="16200000">
-              <a:off x="5962680" y="1158840"/>
-              <a:ext cx="1737360" cy="2771280"/>
+              <a:off x="5962680" y="1159200"/>
+              <a:ext cx="1737000" cy="2770920"/>
             </a:xfrm>
             <a:prstGeom prst="roundRect">
               <a:avLst>
@@ -11248,7 +11248,7 @@
         <p:spPr>
           <a:xfrm>
             <a:off x="5446080" y="1672200"/>
-            <a:ext cx="2770920" cy="1737360"/>
+            <a:ext cx="2770560" cy="1737000"/>
           </a:xfrm>
           <a:prstGeom prst="rect">
             <a:avLst/>
@@ -11300,7 +11300,7 @@
         <p:spPr>
           <a:xfrm>
             <a:off x="586440" y="1246680"/>
-            <a:ext cx="4004280" cy="3600000"/>
+            <a:ext cx="4003920" cy="3599640"/>
           </a:xfrm>
           <a:prstGeom prst="rect">
             <a:avLst/>
@@ -11352,7 +11352,7 @@
         <p:spPr>
           <a:xfrm>
             <a:off x="586440" y="453960"/>
-            <a:ext cx="4764240" cy="855360"/>
+            <a:ext cx="4763880" cy="855000"/>
           </a:xfrm>
           <a:prstGeom prst="rect">
             <a:avLst/>
@@ -11441,7 +11441,7 @@
         <p:spPr>
           <a:xfrm rot="2745600">
             <a:off x="8349840" y="-668160"/>
-            <a:ext cx="1498320" cy="1498320"/>
+            <a:ext cx="1497960" cy="1497960"/>
           </a:xfrm>
           <a:prstGeom prst="roundRect">
             <a:avLst>
@@ -11479,7 +11479,7 @@
         <p:spPr>
           <a:xfrm rot="2745600">
             <a:off x="7634160" y="-322200"/>
-            <a:ext cx="807120" cy="807480"/>
+            <a:ext cx="806760" cy="807120"/>
           </a:xfrm>
           <a:prstGeom prst="roundRect">
             <a:avLst>
@@ -11518,7 +11518,7 @@
         <p:spPr>
           <a:xfrm>
             <a:off x="586440" y="899640"/>
-            <a:ext cx="7931880" cy="1537200"/>
+            <a:ext cx="7931520" cy="1536840"/>
           </a:xfrm>
           <a:prstGeom prst="rect">
             <a:avLst/>
@@ -11570,7 +11570,7 @@
         <p:spPr>
           <a:xfrm>
             <a:off x="608040" y="2545560"/>
-            <a:ext cx="3712320" cy="2255760"/>
+            <a:ext cx="3711960" cy="2255400"/>
           </a:xfrm>
           <a:prstGeom prst="rect">
             <a:avLst/>
@@ -11622,7 +11622,7 @@
         <p:spPr>
           <a:xfrm>
             <a:off x="4806360" y="2545560"/>
-            <a:ext cx="3712320" cy="2255760"/>
+            <a:ext cx="3711960" cy="2255400"/>
           </a:xfrm>
           <a:prstGeom prst="rect">
             <a:avLst/>
@@ -11674,7 +11674,7 @@
         <p:spPr>
           <a:xfrm>
             <a:off x="583200" y="450720"/>
-            <a:ext cx="7198200" cy="512280"/>
+            <a:ext cx="7197840" cy="511920"/>
           </a:xfrm>
           <a:prstGeom prst="rect">
             <a:avLst/>
@@ -11756,7 +11756,7 @@
         <p:spPr>
           <a:xfrm>
             <a:off x="586440" y="1246680"/>
-            <a:ext cx="4004280" cy="3600000"/>
+            <a:ext cx="4003920" cy="3599640"/>
           </a:xfrm>
           <a:prstGeom prst="rect">
             <a:avLst/>
@@ -11808,7 +11808,7 @@
         <p:spPr>
           <a:xfrm>
             <a:off x="559800" y="446040"/>
-            <a:ext cx="4283640" cy="683640"/>
+            <a:ext cx="4283280" cy="683280"/>
           </a:xfrm>
           <a:prstGeom prst="rect">
             <a:avLst/>
@@ -11860,7 +11860,7 @@
         <p:spPr>
           <a:xfrm>
             <a:off x="5097600" y="360"/>
-            <a:ext cx="4379760" cy="5144040"/>
+            <a:ext cx="4379400" cy="5143680"/>
           </a:xfrm>
           <a:prstGeom prst="roundRect">
             <a:avLst>
@@ -11925,8 +11925,8 @@
         </p:nvSpPr>
         <p:spPr>
           <a:xfrm rot="2744400">
-            <a:off x="-281160" y="-25920"/>
-            <a:ext cx="704520" cy="704160"/>
+            <a:off x="-280800" y="-25560"/>
+            <a:ext cx="704160" cy="703800"/>
           </a:xfrm>
           <a:prstGeom prst="roundRect">
             <a:avLst>
@@ -11964,7 +11964,7 @@
         <p:spPr>
           <a:xfrm rot="2625600">
             <a:off x="4861080" y="4146840"/>
-            <a:ext cx="468360" cy="468360"/>
+            <a:ext cx="468000" cy="468000"/>
           </a:xfrm>
           <a:prstGeom prst="roundRect">
             <a:avLst>
@@ -12038,8 +12038,8 @@
         </p:nvSpPr>
         <p:spPr>
           <a:xfrm rot="2744400">
-            <a:off x="-350280" y="4539960"/>
-            <a:ext cx="704520" cy="704160"/>
+            <a:off x="-349920" y="4539960"/>
+            <a:ext cx="704160" cy="703800"/>
           </a:xfrm>
           <a:prstGeom prst="roundRect">
             <a:avLst>
@@ -12076,8 +12076,8 @@
         </p:nvSpPr>
         <p:spPr>
           <a:xfrm rot="19228200">
-            <a:off x="5846400" y="-2266560"/>
-            <a:ext cx="4855320" cy="7726320"/>
+            <a:off x="5846040" y="-2266200"/>
+            <a:ext cx="4854960" cy="7725960"/>
           </a:xfrm>
           <a:prstGeom prst="roundRect">
             <a:avLst>
@@ -12115,9 +12115,9 @@
         <p:grpSpPr>
           <a:xfrm>
             <a:off x="4571640" y="828000"/>
-            <a:ext cx="4468320" cy="3564360"/>
+            <a:ext cx="4467960" cy="3564000"/>
             <a:chOff x="4571640" y="828000"/>
-            <a:chExt cx="4468320" cy="3564360"/>
+            <a:chExt cx="4467960" cy="3564000"/>
           </a:xfrm>
         </p:grpSpPr>
         <p:pic>
@@ -12133,7 +12133,7 @@
           <p:spPr>
             <a:xfrm>
               <a:off x="4571640" y="828000"/>
-              <a:ext cx="4468320" cy="3564360"/>
+              <a:ext cx="4467960" cy="3564000"/>
             </a:xfrm>
             <a:prstGeom prst="rect">
               <a:avLst/>
@@ -12151,8 +12151,8 @@
           </p:nvSpPr>
           <p:spPr>
             <a:xfrm rot="16200000">
-              <a:off x="5962680" y="1158840"/>
-              <a:ext cx="1737360" cy="2771280"/>
+              <a:off x="5962680" y="1159200"/>
+              <a:ext cx="1737000" cy="2770920"/>
             </a:xfrm>
             <a:prstGeom prst="roundRect">
               <a:avLst>
@@ -12219,7 +12219,7 @@
         <p:spPr>
           <a:xfrm>
             <a:off x="586440" y="1246680"/>
-            <a:ext cx="4004280" cy="3600000"/>
+            <a:ext cx="4003920" cy="3599640"/>
           </a:xfrm>
           <a:prstGeom prst="rect">
             <a:avLst/>
@@ -12271,7 +12271,7 @@
         <p:spPr>
           <a:xfrm>
             <a:off x="5446080" y="1672200"/>
-            <a:ext cx="2780280" cy="1737360"/>
+            <a:ext cx="2779920" cy="1737000"/>
           </a:xfrm>
           <a:prstGeom prst="rect">
             <a:avLst/>
@@ -12323,7 +12323,7 @@
         <p:spPr>
           <a:xfrm>
             <a:off x="586440" y="453960"/>
-            <a:ext cx="3696840" cy="855360"/>
+            <a:ext cx="3696480" cy="855000"/>
           </a:xfrm>
           <a:prstGeom prst="rect">
             <a:avLst/>
@@ -12412,7 +12412,7 @@
         <p:spPr>
           <a:xfrm>
             <a:off x="4222080" y="1246680"/>
-            <a:ext cx="4115160" cy="3600000"/>
+            <a:ext cx="4114800" cy="3599640"/>
           </a:xfrm>
           <a:prstGeom prst="rect">
             <a:avLst/>
@@ -12463,8 +12463,8 @@
         </p:nvSpPr>
         <p:spPr>
           <a:xfrm rot="16200000">
-            <a:off x="-2181600" y="1733400"/>
-            <a:ext cx="5144040" cy="1684080"/>
+            <a:off x="-2181600" y="1733760"/>
+            <a:ext cx="5143680" cy="1683720"/>
           </a:xfrm>
           <a:prstGeom prst="roundRect">
             <a:avLst>
@@ -12501,8 +12501,8 @@
         </p:nvSpPr>
         <p:spPr>
           <a:xfrm rot="2745000">
-            <a:off x="8575200" y="103680"/>
-            <a:ext cx="1132560" cy="1132200"/>
+            <a:off x="8575200" y="103320"/>
+            <a:ext cx="1132200" cy="1131840"/>
           </a:xfrm>
           <a:prstGeom prst="roundRect">
             <a:avLst>
@@ -12539,8 +12539,8 @@
         </p:nvSpPr>
         <p:spPr>
           <a:xfrm rot="16200000">
-            <a:off x="614880" y="918720"/>
-            <a:ext cx="3232080" cy="3313800"/>
+            <a:off x="614880" y="919080"/>
+            <a:ext cx="3231720" cy="3313440"/>
           </a:xfrm>
           <a:prstGeom prst="roundRect">
             <a:avLst>
@@ -12606,7 +12606,7 @@
         <p:spPr>
           <a:xfrm>
             <a:off x="4214160" y="456120"/>
-            <a:ext cx="4111920" cy="855360"/>
+            <a:ext cx="4111560" cy="855000"/>
           </a:xfrm>
           <a:prstGeom prst="rect">
             <a:avLst/>
@@ -12694,8 +12694,8 @@
         </p:nvSpPr>
         <p:spPr>
           <a:xfrm rot="2744400">
-            <a:off x="-281160" y="-25920"/>
-            <a:ext cx="704520" cy="704160"/>
+            <a:off x="-280800" y="-25560"/>
+            <a:ext cx="704160" cy="703800"/>
           </a:xfrm>
           <a:prstGeom prst="roundRect">
             <a:avLst>
@@ -12733,7 +12733,7 @@
         <p:spPr>
           <a:xfrm rot="2332200">
             <a:off x="6009480" y="-319680"/>
-            <a:ext cx="4855680" cy="7726680"/>
+            <a:ext cx="4855320" cy="7726320"/>
           </a:xfrm>
           <a:prstGeom prst="roundRect">
             <a:avLst>
@@ -12771,9 +12771,9 @@
         <p:grpSpPr>
           <a:xfrm>
             <a:off x="4571640" y="828000"/>
-            <a:ext cx="4468320" cy="3564360"/>
+            <a:ext cx="4467960" cy="3564000"/>
             <a:chOff x="4571640" y="828000"/>
-            <a:chExt cx="4468320" cy="3564360"/>
+            <a:chExt cx="4467960" cy="3564000"/>
           </a:xfrm>
         </p:grpSpPr>
         <p:pic>
@@ -12789,7 +12789,7 @@
           <p:spPr>
             <a:xfrm>
               <a:off x="4571640" y="828000"/>
-              <a:ext cx="4468320" cy="3564360"/>
+              <a:ext cx="4467960" cy="3564000"/>
             </a:xfrm>
             <a:prstGeom prst="rect">
               <a:avLst/>
@@ -12807,8 +12807,8 @@
           </p:nvSpPr>
           <p:spPr>
             <a:xfrm rot="16200000">
-              <a:off x="5962680" y="1158840"/>
-              <a:ext cx="1737360" cy="2771280"/>
+              <a:off x="5962680" y="1159200"/>
+              <a:ext cx="1737000" cy="2770920"/>
             </a:xfrm>
             <a:prstGeom prst="roundRect">
               <a:avLst>
@@ -12875,7 +12875,7 @@
         <p:spPr>
           <a:xfrm>
             <a:off x="5446080" y="1672200"/>
-            <a:ext cx="2770920" cy="1737360"/>
+            <a:ext cx="2770560" cy="1737000"/>
           </a:xfrm>
           <a:prstGeom prst="rect">
             <a:avLst/>
@@ -12927,7 +12927,7 @@
         <p:spPr>
           <a:xfrm>
             <a:off x="586440" y="1246680"/>
-            <a:ext cx="4004280" cy="3600000"/>
+            <a:ext cx="4003920" cy="3599640"/>
           </a:xfrm>
           <a:prstGeom prst="rect">
             <a:avLst/>
@@ -12979,7 +12979,7 @@
         <p:spPr>
           <a:xfrm>
             <a:off x="586440" y="453960"/>
-            <a:ext cx="4764240" cy="855360"/>
+            <a:ext cx="4763880" cy="855000"/>
           </a:xfrm>
           <a:prstGeom prst="rect">
             <a:avLst/>
@@ -13068,7 +13068,7 @@
         <p:spPr>
           <a:xfrm rot="2745600">
             <a:off x="8349840" y="-668160"/>
-            <a:ext cx="1498320" cy="1498320"/>
+            <a:ext cx="1497960" cy="1497960"/>
           </a:xfrm>
           <a:prstGeom prst="roundRect">
             <a:avLst>
@@ -13106,7 +13106,7 @@
         <p:spPr>
           <a:xfrm rot="2745600">
             <a:off x="7634160" y="-322200"/>
-            <a:ext cx="807120" cy="807480"/>
+            <a:ext cx="806760" cy="807120"/>
           </a:xfrm>
           <a:prstGeom prst="roundRect">
             <a:avLst>
@@ -13145,7 +13145,7 @@
         <p:spPr>
           <a:xfrm>
             <a:off x="586440" y="899640"/>
-            <a:ext cx="7931880" cy="1537200"/>
+            <a:ext cx="7931520" cy="1536840"/>
           </a:xfrm>
           <a:prstGeom prst="rect">
             <a:avLst/>
@@ -13197,7 +13197,7 @@
         <p:spPr>
           <a:xfrm>
             <a:off x="608040" y="2545560"/>
-            <a:ext cx="3712320" cy="2255760"/>
+            <a:ext cx="3711960" cy="2255400"/>
           </a:xfrm>
           <a:prstGeom prst="rect">
             <a:avLst/>
@@ -13249,7 +13249,7 @@
         <p:spPr>
           <a:xfrm>
             <a:off x="4806360" y="2545560"/>
-            <a:ext cx="3712320" cy="2255760"/>
+            <a:ext cx="3711960" cy="2255400"/>
           </a:xfrm>
           <a:prstGeom prst="rect">
             <a:avLst/>
@@ -13301,7 +13301,7 @@
         <p:spPr>
           <a:xfrm>
             <a:off x="583200" y="450720"/>
-            <a:ext cx="7198200" cy="512280"/>
+            <a:ext cx="7197840" cy="511920"/>
           </a:xfrm>
           <a:prstGeom prst="rect">
             <a:avLst/>
@@ -13383,7 +13383,7 @@
         <p:spPr>
           <a:xfrm>
             <a:off x="586440" y="1246680"/>
-            <a:ext cx="4004280" cy="3600000"/>
+            <a:ext cx="4003920" cy="3599640"/>
           </a:xfrm>
           <a:prstGeom prst="rect">
             <a:avLst/>
@@ -13435,7 +13435,7 @@
         <p:spPr>
           <a:xfrm>
             <a:off x="559800" y="446040"/>
-            <a:ext cx="4283640" cy="683640"/>
+            <a:ext cx="4283280" cy="683280"/>
           </a:xfrm>
           <a:prstGeom prst="rect">
             <a:avLst/>
@@ -13487,7 +13487,7 @@
         <p:spPr>
           <a:xfrm>
             <a:off x="5097600" y="360"/>
-            <a:ext cx="4379760" cy="5144040"/>
+            <a:ext cx="4379400" cy="5143680"/>
           </a:xfrm>
           <a:prstGeom prst="roundRect">
             <a:avLst>
@@ -13552,8 +13552,8 @@
         </p:nvSpPr>
         <p:spPr>
           <a:xfrm rot="2744400">
-            <a:off x="-281160" y="-25920"/>
-            <a:ext cx="704520" cy="704160"/>
+            <a:off x="-280800" y="-25560"/>
+            <a:ext cx="704160" cy="703800"/>
           </a:xfrm>
           <a:prstGeom prst="roundRect">
             <a:avLst>
@@ -13591,7 +13591,7 @@
         <p:spPr>
           <a:xfrm rot="2625600">
             <a:off x="4861080" y="4146840"/>
-            <a:ext cx="468360" cy="468360"/>
+            <a:ext cx="468000" cy="468000"/>
           </a:xfrm>
           <a:prstGeom prst="roundRect">
             <a:avLst>
@@ -13665,8 +13665,8 @@
         </p:nvSpPr>
         <p:spPr>
           <a:xfrm rot="2744400">
-            <a:off x="-350280" y="4539960"/>
-            <a:ext cx="704520" cy="704160"/>
+            <a:off x="-349920" y="4539960"/>
+            <a:ext cx="704160" cy="703800"/>
           </a:xfrm>
           <a:prstGeom prst="roundRect">
             <a:avLst>
@@ -13703,8 +13703,8 @@
         </p:nvSpPr>
         <p:spPr>
           <a:xfrm rot="19228200">
-            <a:off x="5846400" y="-2266560"/>
-            <a:ext cx="4855320" cy="7726320"/>
+            <a:off x="5846040" y="-2266200"/>
+            <a:ext cx="4854960" cy="7725960"/>
           </a:xfrm>
           <a:prstGeom prst="roundRect">
             <a:avLst>
@@ -13742,9 +13742,9 @@
         <p:grpSpPr>
           <a:xfrm>
             <a:off x="4571640" y="828000"/>
-            <a:ext cx="4468320" cy="3564360"/>
+            <a:ext cx="4467960" cy="3564000"/>
             <a:chOff x="4571640" y="828000"/>
-            <a:chExt cx="4468320" cy="3564360"/>
+            <a:chExt cx="4467960" cy="3564000"/>
           </a:xfrm>
         </p:grpSpPr>
         <p:pic>
@@ -13760,7 +13760,7 @@
           <p:spPr>
             <a:xfrm>
               <a:off x="4571640" y="828000"/>
-              <a:ext cx="4468320" cy="3564360"/>
+              <a:ext cx="4467960" cy="3564000"/>
             </a:xfrm>
             <a:prstGeom prst="rect">
               <a:avLst/>
@@ -13778,8 +13778,8 @@
           </p:nvSpPr>
           <p:spPr>
             <a:xfrm rot="16200000">
-              <a:off x="5962680" y="1158840"/>
-              <a:ext cx="1737360" cy="2771280"/>
+              <a:off x="5962680" y="1159200"/>
+              <a:ext cx="1737000" cy="2770920"/>
             </a:xfrm>
             <a:prstGeom prst="roundRect">
               <a:avLst>
@@ -13846,7 +13846,7 @@
         <p:spPr>
           <a:xfrm>
             <a:off x="586440" y="1246680"/>
-            <a:ext cx="4004280" cy="3600000"/>
+            <a:ext cx="4003920" cy="3599640"/>
           </a:xfrm>
           <a:prstGeom prst="rect">
             <a:avLst/>
@@ -13898,7 +13898,7 @@
         <p:spPr>
           <a:xfrm>
             <a:off x="5446080" y="1672200"/>
-            <a:ext cx="2780280" cy="1737360"/>
+            <a:ext cx="2779920" cy="1737000"/>
           </a:xfrm>
           <a:prstGeom prst="rect">
             <a:avLst/>
@@ -13950,7 +13950,7 @@
         <p:spPr>
           <a:xfrm>
             <a:off x="586440" y="453960"/>
-            <a:ext cx="3696840" cy="855360"/>
+            <a:ext cx="3696480" cy="855000"/>
           </a:xfrm>
           <a:prstGeom prst="rect">
             <a:avLst/>
@@ -14038,8 +14038,8 @@
         </p:nvSpPr>
         <p:spPr>
           <a:xfrm rot="2744400">
-            <a:off x="-281160" y="-25920"/>
-            <a:ext cx="704520" cy="704160"/>
+            <a:off x="-280800" y="-25560"/>
+            <a:ext cx="704160" cy="703800"/>
           </a:xfrm>
           <a:prstGeom prst="roundRect">
             <a:avLst>
@@ -14077,7 +14077,7 @@
         <p:spPr>
           <a:xfrm>
             <a:off x="569160" y="1888920"/>
-            <a:ext cx="4821120" cy="820800"/>
+            <a:ext cx="4820760" cy="820800"/>
           </a:xfrm>
           <a:prstGeom prst="rect">
             <a:avLst/>
@@ -14129,7 +14129,7 @@
         <p:spPr>
           <a:xfrm rot="18679800">
             <a:off x="6782040" y="457560"/>
-            <a:ext cx="6250680" cy="4666320"/>
+            <a:ext cx="6250320" cy="4665960"/>
           </a:xfrm>
           <a:prstGeom prst="roundRect">
             <a:avLst>
@@ -14167,7 +14167,7 @@
         <p:spPr>
           <a:xfrm rot="2625600">
             <a:off x="6024960" y="4332960"/>
-            <a:ext cx="468360" cy="468360"/>
+            <a:ext cx="468000" cy="468000"/>
           </a:xfrm>
           <a:prstGeom prst="roundRect">
             <a:avLst>
@@ -14205,7 +14205,7 @@
         <p:spPr>
           <a:xfrm>
             <a:off x="1640880" y="4592880"/>
-            <a:ext cx="2995560" cy="266400"/>
+            <a:ext cx="2995200" cy="266040"/>
           </a:xfrm>
           <a:prstGeom prst="rect">
             <a:avLst/>
@@ -14267,7 +14267,7 @@
         <p:spPr>
           <a:xfrm>
             <a:off x="867240" y="3590280"/>
-            <a:ext cx="253440" cy="253800"/>
+            <a:ext cx="253080" cy="253440"/>
           </a:xfrm>
           <a:prstGeom prst="ellipse">
             <a:avLst/>
@@ -14302,7 +14302,7 @@
         <p:spPr>
           <a:xfrm>
             <a:off x="351000" y="3793320"/>
-            <a:ext cx="1285920" cy="1131480"/>
+            <a:ext cx="1285560" cy="1131120"/>
           </a:xfrm>
           <a:prstGeom prst="rect">
             <a:avLst/>
@@ -14357,8 +14357,8 @@
         </p:nvSpPr>
         <p:spPr>
           <a:xfrm rot="2744400">
-            <a:off x="-350280" y="4539960"/>
-            <a:ext cx="704520" cy="704160"/>
+            <a:off x="-349920" y="4539960"/>
+            <a:ext cx="704160" cy="703800"/>
           </a:xfrm>
           <a:prstGeom prst="roundRect">
             <a:avLst>
@@ -14395,8 +14395,8 @@
         </p:nvSpPr>
         <p:spPr>
           <a:xfrm rot="19228200">
-            <a:off x="5846400" y="-2266560"/>
-            <a:ext cx="4855320" cy="7726320"/>
+            <a:off x="5846040" y="-2266200"/>
+            <a:ext cx="4854960" cy="7725960"/>
           </a:xfrm>
           <a:prstGeom prst="roundRect">
             <a:avLst>
@@ -14434,9 +14434,9 @@
         <p:grpSpPr>
           <a:xfrm>
             <a:off x="4571640" y="828000"/>
-            <a:ext cx="4468320" cy="3564360"/>
+            <a:ext cx="4467960" cy="3564000"/>
             <a:chOff x="4571640" y="828000"/>
-            <a:chExt cx="4468320" cy="3564360"/>
+            <a:chExt cx="4467960" cy="3564000"/>
           </a:xfrm>
         </p:grpSpPr>
         <p:pic>
@@ -14452,7 +14452,7 @@
           <p:spPr>
             <a:xfrm>
               <a:off x="4571640" y="828000"/>
-              <a:ext cx="4468320" cy="3564360"/>
+              <a:ext cx="4467960" cy="3564000"/>
             </a:xfrm>
             <a:prstGeom prst="rect">
               <a:avLst/>
@@ -14470,8 +14470,8 @@
           </p:nvSpPr>
           <p:spPr>
             <a:xfrm rot="16200000">
-              <a:off x="5962680" y="1158840"/>
-              <a:ext cx="1737360" cy="2771280"/>
+              <a:off x="5962680" y="1159200"/>
+              <a:ext cx="1737000" cy="2770920"/>
             </a:xfrm>
             <a:prstGeom prst="roundRect">
               <a:avLst>
@@ -14538,7 +14538,7 @@
         <p:spPr>
           <a:xfrm>
             <a:off x="586440" y="1246680"/>
-            <a:ext cx="4004280" cy="3600000"/>
+            <a:ext cx="4003920" cy="3599640"/>
           </a:xfrm>
           <a:prstGeom prst="rect">
             <a:avLst/>
@@ -14590,7 +14590,7 @@
         <p:spPr>
           <a:xfrm>
             <a:off x="5446080" y="1672200"/>
-            <a:ext cx="2780280" cy="1737360"/>
+            <a:ext cx="2779920" cy="1737000"/>
           </a:xfrm>
           <a:prstGeom prst="rect">
             <a:avLst/>
@@ -14642,7 +14642,7 @@
         <p:spPr>
           <a:xfrm>
             <a:off x="586440" y="453960"/>
-            <a:ext cx="3696840" cy="855360"/>
+            <a:ext cx="3696480" cy="855000"/>
           </a:xfrm>
           <a:prstGeom prst="rect">
             <a:avLst/>
@@ -14731,7 +14731,7 @@
         <p:spPr>
           <a:xfrm>
             <a:off x="4222080" y="1246680"/>
-            <a:ext cx="4115160" cy="3600000"/>
+            <a:ext cx="4114800" cy="3599640"/>
           </a:xfrm>
           <a:prstGeom prst="rect">
             <a:avLst/>
@@ -14782,8 +14782,8 @@
         </p:nvSpPr>
         <p:spPr>
           <a:xfrm rot="16200000">
-            <a:off x="-2181600" y="1733400"/>
-            <a:ext cx="5144040" cy="1684080"/>
+            <a:off x="-2181600" y="1733760"/>
+            <a:ext cx="5143680" cy="1683720"/>
           </a:xfrm>
           <a:prstGeom prst="roundRect">
             <a:avLst>
@@ -14820,8 +14820,8 @@
         </p:nvSpPr>
         <p:spPr>
           <a:xfrm rot="2745000">
-            <a:off x="8575200" y="103680"/>
-            <a:ext cx="1132560" cy="1132200"/>
+            <a:off x="8575200" y="103320"/>
+            <a:ext cx="1132200" cy="1131840"/>
           </a:xfrm>
           <a:prstGeom prst="roundRect">
             <a:avLst>
@@ -14858,8 +14858,8 @@
         </p:nvSpPr>
         <p:spPr>
           <a:xfrm rot="16200000">
-            <a:off x="614880" y="918720"/>
-            <a:ext cx="3232080" cy="3313800"/>
+            <a:off x="614880" y="919080"/>
+            <a:ext cx="3231720" cy="3313440"/>
           </a:xfrm>
           <a:prstGeom prst="roundRect">
             <a:avLst>
@@ -14925,7 +14925,7 @@
         <p:spPr>
           <a:xfrm>
             <a:off x="4214160" y="456120"/>
-            <a:ext cx="4111920" cy="855360"/>
+            <a:ext cx="4111560" cy="855000"/>
           </a:xfrm>
           <a:prstGeom prst="rect">
             <a:avLst/>
@@ -15013,8 +15013,8 @@
         </p:nvSpPr>
         <p:spPr>
           <a:xfrm rot="2744400">
-            <a:off x="-281160" y="-25920"/>
-            <a:ext cx="704520" cy="704160"/>
+            <a:off x="-280800" y="-25560"/>
+            <a:ext cx="704160" cy="703800"/>
           </a:xfrm>
           <a:prstGeom prst="roundRect">
             <a:avLst>
@@ -15052,7 +15052,7 @@
         <p:spPr>
           <a:xfrm rot="2332200">
             <a:off x="6009480" y="-319680"/>
-            <a:ext cx="4855680" cy="7726680"/>
+            <a:ext cx="4855320" cy="7726320"/>
           </a:xfrm>
           <a:prstGeom prst="roundRect">
             <a:avLst>
@@ -15090,9 +15090,9 @@
         <p:grpSpPr>
           <a:xfrm>
             <a:off x="4571640" y="828000"/>
-            <a:ext cx="4468320" cy="3564360"/>
+            <a:ext cx="4467960" cy="3564000"/>
             <a:chOff x="4571640" y="828000"/>
-            <a:chExt cx="4468320" cy="3564360"/>
+            <a:chExt cx="4467960" cy="3564000"/>
           </a:xfrm>
         </p:grpSpPr>
         <p:pic>
@@ -15108,7 +15108,7 @@
           <p:spPr>
             <a:xfrm>
               <a:off x="4571640" y="828000"/>
-              <a:ext cx="4468320" cy="3564360"/>
+              <a:ext cx="4467960" cy="3564000"/>
             </a:xfrm>
             <a:prstGeom prst="rect">
               <a:avLst/>
@@ -15126,8 +15126,8 @@
           </p:nvSpPr>
           <p:spPr>
             <a:xfrm rot="16200000">
-              <a:off x="5962680" y="1158840"/>
-              <a:ext cx="1737360" cy="2771280"/>
+              <a:off x="5962680" y="1159200"/>
+              <a:ext cx="1737000" cy="2770920"/>
             </a:xfrm>
             <a:prstGeom prst="roundRect">
               <a:avLst>
@@ -15194,7 +15194,7 @@
         <p:spPr>
           <a:xfrm>
             <a:off x="5446080" y="1672200"/>
-            <a:ext cx="2770920" cy="1737360"/>
+            <a:ext cx="2770560" cy="1737000"/>
           </a:xfrm>
           <a:prstGeom prst="rect">
             <a:avLst/>
@@ -15246,7 +15246,7 @@
         <p:spPr>
           <a:xfrm>
             <a:off x="586440" y="1246680"/>
-            <a:ext cx="4004280" cy="3600000"/>
+            <a:ext cx="4003920" cy="3599640"/>
           </a:xfrm>
           <a:prstGeom prst="rect">
             <a:avLst/>
@@ -15298,7 +15298,7 @@
         <p:spPr>
           <a:xfrm>
             <a:off x="586440" y="453960"/>
-            <a:ext cx="4764240" cy="855360"/>
+            <a:ext cx="4763880" cy="855000"/>
           </a:xfrm>
           <a:prstGeom prst="rect">
             <a:avLst/>
@@ -15387,7 +15387,7 @@
         <p:spPr>
           <a:xfrm rot="2745600">
             <a:off x="8349840" y="-668160"/>
-            <a:ext cx="1498320" cy="1498320"/>
+            <a:ext cx="1497960" cy="1497960"/>
           </a:xfrm>
           <a:prstGeom prst="roundRect">
             <a:avLst>
@@ -15425,7 +15425,7 @@
         <p:spPr>
           <a:xfrm rot="2745600">
             <a:off x="7634160" y="-322200"/>
-            <a:ext cx="807120" cy="807480"/>
+            <a:ext cx="806760" cy="807120"/>
           </a:xfrm>
           <a:prstGeom prst="roundRect">
             <a:avLst>
@@ -15464,7 +15464,7 @@
         <p:spPr>
           <a:xfrm>
             <a:off x="586440" y="899640"/>
-            <a:ext cx="7931880" cy="1537200"/>
+            <a:ext cx="7931520" cy="1536840"/>
           </a:xfrm>
           <a:prstGeom prst="rect">
             <a:avLst/>
@@ -15516,7 +15516,7 @@
         <p:spPr>
           <a:xfrm>
             <a:off x="608040" y="2545560"/>
-            <a:ext cx="3712320" cy="2255760"/>
+            <a:ext cx="3711960" cy="2255400"/>
           </a:xfrm>
           <a:prstGeom prst="rect">
             <a:avLst/>
@@ -15568,7 +15568,7 @@
         <p:spPr>
           <a:xfrm>
             <a:off x="4806360" y="2545560"/>
-            <a:ext cx="3712320" cy="2255760"/>
+            <a:ext cx="3711960" cy="2255400"/>
           </a:xfrm>
           <a:prstGeom prst="rect">
             <a:avLst/>
@@ -15620,7 +15620,7 @@
         <p:spPr>
           <a:xfrm>
             <a:off x="583200" y="450720"/>
-            <a:ext cx="7198200" cy="512280"/>
+            <a:ext cx="7197840" cy="511920"/>
           </a:xfrm>
           <a:prstGeom prst="rect">
             <a:avLst/>
@@ -15702,7 +15702,7 @@
         <p:spPr>
           <a:xfrm>
             <a:off x="586440" y="1246680"/>
-            <a:ext cx="4004280" cy="3600000"/>
+            <a:ext cx="4003920" cy="3599640"/>
           </a:xfrm>
           <a:prstGeom prst="rect">
             <a:avLst/>
@@ -15754,7 +15754,7 @@
         <p:spPr>
           <a:xfrm>
             <a:off x="559800" y="446040"/>
-            <a:ext cx="4283640" cy="683640"/>
+            <a:ext cx="4283280" cy="683280"/>
           </a:xfrm>
           <a:prstGeom prst="rect">
             <a:avLst/>
@@ -15806,7 +15806,7 @@
         <p:spPr>
           <a:xfrm>
             <a:off x="5097600" y="360"/>
-            <a:ext cx="4379760" cy="5144040"/>
+            <a:ext cx="4379400" cy="5143680"/>
           </a:xfrm>
           <a:prstGeom prst="roundRect">
             <a:avLst>
@@ -15871,8 +15871,8 @@
         </p:nvSpPr>
         <p:spPr>
           <a:xfrm rot="2744400">
-            <a:off x="-281160" y="-25920"/>
-            <a:ext cx="704520" cy="704160"/>
+            <a:off x="-280800" y="-25560"/>
+            <a:ext cx="704160" cy="703800"/>
           </a:xfrm>
           <a:prstGeom prst="roundRect">
             <a:avLst>
@@ -15910,7 +15910,7 @@
         <p:spPr>
           <a:xfrm rot="2625600">
             <a:off x="4861080" y="4146840"/>
-            <a:ext cx="468360" cy="468360"/>
+            <a:ext cx="468000" cy="468000"/>
           </a:xfrm>
           <a:prstGeom prst="roundRect">
             <a:avLst>
@@ -15984,8 +15984,8 @@
         </p:nvSpPr>
         <p:spPr>
           <a:xfrm rot="2744400">
-            <a:off x="-350280" y="4539960"/>
-            <a:ext cx="704520" cy="704160"/>
+            <a:off x="-349920" y="4539960"/>
+            <a:ext cx="704160" cy="703800"/>
           </a:xfrm>
           <a:prstGeom prst="roundRect">
             <a:avLst>
@@ -16022,8 +16022,8 @@
         </p:nvSpPr>
         <p:spPr>
           <a:xfrm rot="19228200">
-            <a:off x="5846400" y="-2266560"/>
-            <a:ext cx="4855320" cy="7726320"/>
+            <a:off x="5846040" y="-2266200"/>
+            <a:ext cx="4854960" cy="7725960"/>
           </a:xfrm>
           <a:prstGeom prst="roundRect">
             <a:avLst>
@@ -16061,9 +16061,9 @@
         <p:grpSpPr>
           <a:xfrm>
             <a:off x="4571640" y="828000"/>
-            <a:ext cx="4468320" cy="3564360"/>
+            <a:ext cx="4467960" cy="3564000"/>
             <a:chOff x="4571640" y="828000"/>
-            <a:chExt cx="4468320" cy="3564360"/>
+            <a:chExt cx="4467960" cy="3564000"/>
           </a:xfrm>
         </p:grpSpPr>
         <p:pic>
@@ -16079,7 +16079,7 @@
           <p:spPr>
             <a:xfrm>
               <a:off x="4571640" y="828000"/>
-              <a:ext cx="4468320" cy="3564360"/>
+              <a:ext cx="4467960" cy="3564000"/>
             </a:xfrm>
             <a:prstGeom prst="rect">
               <a:avLst/>
@@ -16097,8 +16097,8 @@
           </p:nvSpPr>
           <p:spPr>
             <a:xfrm rot="16200000">
-              <a:off x="5962680" y="1158840"/>
-              <a:ext cx="1737360" cy="2771280"/>
+              <a:off x="5962680" y="1159200"/>
+              <a:ext cx="1737000" cy="2770920"/>
             </a:xfrm>
             <a:prstGeom prst="roundRect">
               <a:avLst>
@@ -16165,7 +16165,7 @@
         <p:spPr>
           <a:xfrm>
             <a:off x="586440" y="1246680"/>
-            <a:ext cx="4004280" cy="3600000"/>
+            <a:ext cx="4003920" cy="3599640"/>
           </a:xfrm>
           <a:prstGeom prst="rect">
             <a:avLst/>
@@ -16217,7 +16217,7 @@
         <p:spPr>
           <a:xfrm>
             <a:off x="5446080" y="1672200"/>
-            <a:ext cx="2780280" cy="1737360"/>
+            <a:ext cx="2779920" cy="1737000"/>
           </a:xfrm>
           <a:prstGeom prst="rect">
             <a:avLst/>
@@ -16269,7 +16269,7 @@
         <p:spPr>
           <a:xfrm>
             <a:off x="586440" y="453960"/>
-            <a:ext cx="3696840" cy="855360"/>
+            <a:ext cx="3696480" cy="855000"/>
           </a:xfrm>
           <a:prstGeom prst="rect">
             <a:avLst/>
@@ -16358,7 +16358,7 @@
         <p:spPr>
           <a:xfrm>
             <a:off x="4222080" y="1246680"/>
-            <a:ext cx="4115160" cy="3600000"/>
+            <a:ext cx="4114800" cy="3599640"/>
           </a:xfrm>
           <a:prstGeom prst="rect">
             <a:avLst/>
@@ -16409,8 +16409,8 @@
         </p:nvSpPr>
         <p:spPr>
           <a:xfrm rot="16200000">
-            <a:off x="-2181600" y="1733400"/>
-            <a:ext cx="5144040" cy="1684080"/>
+            <a:off x="-2181600" y="1733760"/>
+            <a:ext cx="5143680" cy="1683720"/>
           </a:xfrm>
           <a:prstGeom prst="roundRect">
             <a:avLst>
@@ -16447,8 +16447,8 @@
         </p:nvSpPr>
         <p:spPr>
           <a:xfrm rot="2745000">
-            <a:off x="8575200" y="103680"/>
-            <a:ext cx="1132560" cy="1132200"/>
+            <a:off x="8575200" y="103320"/>
+            <a:ext cx="1132200" cy="1131840"/>
           </a:xfrm>
           <a:prstGeom prst="roundRect">
             <a:avLst>
@@ -16485,8 +16485,8 @@
         </p:nvSpPr>
         <p:spPr>
           <a:xfrm rot="16200000">
-            <a:off x="614880" y="918720"/>
-            <a:ext cx="3232080" cy="3313800"/>
+            <a:off x="614880" y="919080"/>
+            <a:ext cx="3231720" cy="3313440"/>
           </a:xfrm>
           <a:prstGeom prst="roundRect">
             <a:avLst>
@@ -16552,7 +16552,7 @@
         <p:spPr>
           <a:xfrm>
             <a:off x="4214160" y="456120"/>
-            <a:ext cx="4111920" cy="855360"/>
+            <a:ext cx="4111560" cy="855000"/>
           </a:xfrm>
           <a:prstGeom prst="rect">
             <a:avLst/>
